--- a/Model.pptx
+++ b/Model.pptx
@@ -6,6 +6,7 @@
   </p:sldMasterIdLst>
   <p:sldIdLst>
     <p:sldId id="259" r:id="rId2"/>
+    <p:sldId id="260" r:id="rId3"/>
   </p:sldIdLst>
   <p:sldSz cx="12192000" cy="6858000"/>
   <p:notesSz cx="6858000" cy="9144000"/>
@@ -104,6 +105,11 @@
       </a:defRPr>
     </a:lvl9pPr>
   </p:defaultTextStyle>
+  <p:extLst>
+    <p:ext uri="{EFAFB233-063F-42B5-8137-9DF3F51BA10A}">
+      <p15:sldGuideLst xmlns:p15="http://schemas.microsoft.com/office/powerpoint/2012/main"/>
+    </p:ext>
+  </p:extLst>
 </p:presentation>
 </file>
 
@@ -254,7 +260,7 @@
           <a:p>
             <a:fld id="{58B6E375-87AD-42CE-86B7-8C0F7B583D41}" type="datetimeFigureOut">
               <a:rPr lang="zh-CN" altLang="en-US" smtClean="0"/>
-              <a:t>2024/12/20</a:t>
+              <a:t>2025/1/5</a:t>
             </a:fld>
             <a:endParaRPr lang="zh-CN" altLang="en-US"/>
           </a:p>
@@ -452,7 +458,7 @@
           <a:p>
             <a:fld id="{58B6E375-87AD-42CE-86B7-8C0F7B583D41}" type="datetimeFigureOut">
               <a:rPr lang="zh-CN" altLang="en-US" smtClean="0"/>
-              <a:t>2024/12/20</a:t>
+              <a:t>2025/1/5</a:t>
             </a:fld>
             <a:endParaRPr lang="zh-CN" altLang="en-US"/>
           </a:p>
@@ -660,7 +666,7 @@
           <a:p>
             <a:fld id="{58B6E375-87AD-42CE-86B7-8C0F7B583D41}" type="datetimeFigureOut">
               <a:rPr lang="zh-CN" altLang="en-US" smtClean="0"/>
-              <a:t>2024/12/20</a:t>
+              <a:t>2025/1/5</a:t>
             </a:fld>
             <a:endParaRPr lang="zh-CN" altLang="en-US"/>
           </a:p>
@@ -858,7 +864,7 @@
           <a:p>
             <a:fld id="{58B6E375-87AD-42CE-86B7-8C0F7B583D41}" type="datetimeFigureOut">
               <a:rPr lang="zh-CN" altLang="en-US" smtClean="0"/>
-              <a:t>2024/12/20</a:t>
+              <a:t>2025/1/5</a:t>
             </a:fld>
             <a:endParaRPr lang="zh-CN" altLang="en-US"/>
           </a:p>
@@ -1133,7 +1139,7 @@
           <a:p>
             <a:fld id="{58B6E375-87AD-42CE-86B7-8C0F7B583D41}" type="datetimeFigureOut">
               <a:rPr lang="zh-CN" altLang="en-US" smtClean="0"/>
-              <a:t>2024/12/20</a:t>
+              <a:t>2025/1/5</a:t>
             </a:fld>
             <a:endParaRPr lang="zh-CN" altLang="en-US"/>
           </a:p>
@@ -1398,7 +1404,7 @@
           <a:p>
             <a:fld id="{58B6E375-87AD-42CE-86B7-8C0F7B583D41}" type="datetimeFigureOut">
               <a:rPr lang="zh-CN" altLang="en-US" smtClean="0"/>
-              <a:t>2024/12/20</a:t>
+              <a:t>2025/1/5</a:t>
             </a:fld>
             <a:endParaRPr lang="zh-CN" altLang="en-US"/>
           </a:p>
@@ -1810,7 +1816,7 @@
           <a:p>
             <a:fld id="{58B6E375-87AD-42CE-86B7-8C0F7B583D41}" type="datetimeFigureOut">
               <a:rPr lang="zh-CN" altLang="en-US" smtClean="0"/>
-              <a:t>2024/12/20</a:t>
+              <a:t>2025/1/5</a:t>
             </a:fld>
             <a:endParaRPr lang="zh-CN" altLang="en-US"/>
           </a:p>
@@ -1951,7 +1957,7 @@
           <a:p>
             <a:fld id="{58B6E375-87AD-42CE-86B7-8C0F7B583D41}" type="datetimeFigureOut">
               <a:rPr lang="zh-CN" altLang="en-US" smtClean="0"/>
-              <a:t>2024/12/20</a:t>
+              <a:t>2025/1/5</a:t>
             </a:fld>
             <a:endParaRPr lang="zh-CN" altLang="en-US"/>
           </a:p>
@@ -2064,7 +2070,7 @@
           <a:p>
             <a:fld id="{58B6E375-87AD-42CE-86B7-8C0F7B583D41}" type="datetimeFigureOut">
               <a:rPr lang="zh-CN" altLang="en-US" smtClean="0"/>
-              <a:t>2024/12/20</a:t>
+              <a:t>2025/1/5</a:t>
             </a:fld>
             <a:endParaRPr lang="zh-CN" altLang="en-US"/>
           </a:p>
@@ -2375,7 +2381,7 @@
           <a:p>
             <a:fld id="{58B6E375-87AD-42CE-86B7-8C0F7B583D41}" type="datetimeFigureOut">
               <a:rPr lang="zh-CN" altLang="en-US" smtClean="0"/>
-              <a:t>2024/12/20</a:t>
+              <a:t>2025/1/5</a:t>
             </a:fld>
             <a:endParaRPr lang="zh-CN" altLang="en-US"/>
           </a:p>
@@ -2663,7 +2669,7 @@
           <a:p>
             <a:fld id="{58B6E375-87AD-42CE-86B7-8C0F7B583D41}" type="datetimeFigureOut">
               <a:rPr lang="zh-CN" altLang="en-US" smtClean="0"/>
-              <a:t>2024/12/20</a:t>
+              <a:t>2025/1/5</a:t>
             </a:fld>
             <a:endParaRPr lang="zh-CN" altLang="en-US"/>
           </a:p>
@@ -2904,7 +2910,7 @@
           <a:p>
             <a:fld id="{58B6E375-87AD-42CE-86B7-8C0F7B583D41}" type="datetimeFigureOut">
               <a:rPr lang="zh-CN" altLang="en-US" smtClean="0"/>
-              <a:t>2024/12/20</a:t>
+              <a:t>2025/1/5</a:t>
             </a:fld>
             <a:endParaRPr lang="zh-CN" altLang="en-US"/>
           </a:p>
@@ -4563,8 +4569,8 @@
             </a:ln>
           </p:spPr>
         </p:cxnSp>
-        <mc:AlternateContent xmlns:mc="http://schemas.openxmlformats.org/markup-compatibility/2006">
-          <mc:Choice xmlns:a14="http://schemas.microsoft.com/office/drawing/2010/main" Requires="a14">
+        <mc:AlternateContent xmlns:mc="http://schemas.openxmlformats.org/markup-compatibility/2006" xmlns:a14="http://schemas.microsoft.com/office/drawing/2010/main">
+          <mc:Choice Requires="a14">
             <p:sp>
               <p:nvSpPr>
                 <p:cNvPr id="81" name="Google Shape;356;p22">
@@ -4737,7 +4743,7 @@
               </p:txBody>
             </p:sp>
           </mc:Choice>
-          <mc:Fallback>
+          <mc:Fallback xmlns="">
             <p:sp>
               <p:nvSpPr>
                 <p:cNvPr id="81" name="Google Shape;356;p22">
@@ -4793,8 +4799,8 @@
             </p:sp>
           </mc:Fallback>
         </mc:AlternateContent>
-        <mc:AlternateContent xmlns:mc="http://schemas.openxmlformats.org/markup-compatibility/2006">
-          <mc:Choice xmlns:a14="http://schemas.microsoft.com/office/drawing/2010/main" Requires="a14">
+        <mc:AlternateContent xmlns:mc="http://schemas.openxmlformats.org/markup-compatibility/2006" xmlns:a14="http://schemas.microsoft.com/office/drawing/2010/main">
+          <mc:Choice Requires="a14">
             <p:sp>
               <p:nvSpPr>
                 <p:cNvPr id="84" name="文本框 83">
@@ -4862,7 +4868,7 @@
               </p:txBody>
             </p:sp>
           </mc:Choice>
-          <mc:Fallback>
+          <mc:Fallback xmlns="">
             <p:sp>
               <p:nvSpPr>
                 <p:cNvPr id="84" name="文本框 83">
@@ -4907,8 +4913,8 @@
             </p:sp>
           </mc:Fallback>
         </mc:AlternateContent>
-        <mc:AlternateContent xmlns:mc="http://schemas.openxmlformats.org/markup-compatibility/2006">
-          <mc:Choice xmlns:a14="http://schemas.microsoft.com/office/drawing/2010/main" Requires="a14">
+        <mc:AlternateContent xmlns:mc="http://schemas.openxmlformats.org/markup-compatibility/2006" xmlns:a14="http://schemas.microsoft.com/office/drawing/2010/main">
+          <mc:Choice Requires="a14">
             <p:sp>
               <p:nvSpPr>
                 <p:cNvPr id="86" name="文本框 85">
@@ -4976,7 +4982,7 @@
               </p:txBody>
             </p:sp>
           </mc:Choice>
-          <mc:Fallback>
+          <mc:Fallback xmlns="">
             <p:sp>
               <p:nvSpPr>
                 <p:cNvPr id="86" name="文本框 85">
@@ -5163,8 +5169,8 @@
             </a:ln>
           </p:spPr>
         </p:cxnSp>
-        <mc:AlternateContent xmlns:mc="http://schemas.openxmlformats.org/markup-compatibility/2006">
-          <mc:Choice xmlns:a14="http://schemas.microsoft.com/office/drawing/2010/main" Requires="a14">
+        <mc:AlternateContent xmlns:mc="http://schemas.openxmlformats.org/markup-compatibility/2006" xmlns:a14="http://schemas.microsoft.com/office/drawing/2010/main">
+          <mc:Choice Requires="a14">
             <p:sp>
               <p:nvSpPr>
                 <p:cNvPr id="91" name="Google Shape;356;p22">
@@ -5337,7 +5343,7 @@
               </p:txBody>
             </p:sp>
           </mc:Choice>
-          <mc:Fallback>
+          <mc:Fallback xmlns="">
             <p:sp>
               <p:nvSpPr>
                 <p:cNvPr id="91" name="Google Shape;356;p22">
@@ -5393,8 +5399,8 @@
             </p:sp>
           </mc:Fallback>
         </mc:AlternateContent>
-        <mc:AlternateContent xmlns:mc="http://schemas.openxmlformats.org/markup-compatibility/2006">
-          <mc:Choice xmlns:a14="http://schemas.microsoft.com/office/drawing/2010/main" Requires="a14">
+        <mc:AlternateContent xmlns:mc="http://schemas.openxmlformats.org/markup-compatibility/2006" xmlns:a14="http://schemas.microsoft.com/office/drawing/2010/main">
+          <mc:Choice Requires="a14">
             <p:sp>
               <p:nvSpPr>
                 <p:cNvPr id="92" name="文本框 91">
@@ -5462,7 +5468,7 @@
               </p:txBody>
             </p:sp>
           </mc:Choice>
-          <mc:Fallback>
+          <mc:Fallback xmlns="">
             <p:sp>
               <p:nvSpPr>
                 <p:cNvPr id="92" name="文本框 91">
@@ -5507,8 +5513,8 @@
             </p:sp>
           </mc:Fallback>
         </mc:AlternateContent>
-        <mc:AlternateContent xmlns:mc="http://schemas.openxmlformats.org/markup-compatibility/2006">
-          <mc:Choice xmlns:a14="http://schemas.microsoft.com/office/drawing/2010/main" Requires="a14">
+        <mc:AlternateContent xmlns:mc="http://schemas.openxmlformats.org/markup-compatibility/2006" xmlns:a14="http://schemas.microsoft.com/office/drawing/2010/main">
+          <mc:Choice Requires="a14">
             <p:sp>
               <p:nvSpPr>
                 <p:cNvPr id="93" name="文本框 92">
@@ -5576,7 +5582,7 @@
               </p:txBody>
             </p:sp>
           </mc:Choice>
-          <mc:Fallback>
+          <mc:Fallback xmlns="">
             <p:sp>
               <p:nvSpPr>
                 <p:cNvPr id="93" name="文本框 92">
@@ -6578,8 +6584,8 @@
             </a:p>
           </p:txBody>
         </p:sp>
-        <mc:AlternateContent xmlns:mc="http://schemas.openxmlformats.org/markup-compatibility/2006">
-          <mc:Choice xmlns:a14="http://schemas.microsoft.com/office/drawing/2010/main" Requires="a14">
+        <mc:AlternateContent xmlns:mc="http://schemas.openxmlformats.org/markup-compatibility/2006" xmlns:a14="http://schemas.microsoft.com/office/drawing/2010/main">
+          <mc:Choice Requires="a14">
             <p:sp>
               <p:nvSpPr>
                 <p:cNvPr id="186" name="Google Shape;356;p22">
@@ -6717,7 +6723,7 @@
               </p:txBody>
             </p:sp>
           </mc:Choice>
-          <mc:Fallback>
+          <mc:Fallback xmlns="">
             <p:sp>
               <p:nvSpPr>
                 <p:cNvPr id="186" name="Google Shape;356;p22">
@@ -7272,6 +7278,2601 @@
 </p:sld>
 </file>
 
+<file path=ppt/slides/slide2.xml><?xml version="1.0" encoding="utf-8"?>
+<p:sld xmlns:a="http://schemas.openxmlformats.org/drawingml/2006/main" xmlns:r="http://schemas.openxmlformats.org/officeDocument/2006/relationships" xmlns:p="http://schemas.openxmlformats.org/presentationml/2006/main">
+  <p:cSld>
+    <p:spTree>
+      <p:nvGrpSpPr>
+        <p:cNvPr id="1" name="">
+          <a:extLst>
+            <a:ext uri="{FF2B5EF4-FFF2-40B4-BE49-F238E27FC236}">
+              <a16:creationId xmlns:a16="http://schemas.microsoft.com/office/drawing/2014/main" id="{7B54D8EC-49F5-E226-2693-E0866B5D1435}"/>
+            </a:ext>
+          </a:extLst>
+        </p:cNvPr>
+        <p:cNvGrpSpPr/>
+        <p:nvPr/>
+      </p:nvGrpSpPr>
+      <p:grpSpPr>
+        <a:xfrm>
+          <a:off x="0" y="0"/>
+          <a:ext cx="0" cy="0"/>
+          <a:chOff x="0" y="0"/>
+          <a:chExt cx="0" cy="0"/>
+        </a:xfrm>
+      </p:grpSpPr>
+      <p:sp>
+        <p:nvSpPr>
+          <p:cNvPr id="71" name="Google Shape;379;p22">
+            <a:extLst>
+              <a:ext uri="{FF2B5EF4-FFF2-40B4-BE49-F238E27FC236}">
+                <a16:creationId xmlns:a16="http://schemas.microsoft.com/office/drawing/2014/main" id="{93CB9809-BD6C-4778-BE65-CCA0503FF7C1}"/>
+              </a:ext>
+            </a:extLst>
+          </p:cNvPr>
+          <p:cNvSpPr/>
+          <p:nvPr/>
+        </p:nvSpPr>
+        <p:spPr>
+          <a:xfrm>
+            <a:off x="667605" y="4239385"/>
+            <a:ext cx="889485" cy="541204"/>
+          </a:xfrm>
+          <a:prstGeom prst="roundRect">
+            <a:avLst>
+              <a:gd name="adj" fmla="val 28518"/>
+            </a:avLst>
+          </a:prstGeom>
+          <a:gradFill>
+            <a:gsLst>
+              <a:gs pos="100000">
+                <a:schemeClr val="accent2">
+                  <a:lumMod val="40000"/>
+                  <a:lumOff val="60000"/>
+                </a:schemeClr>
+              </a:gs>
+              <a:gs pos="0">
+                <a:schemeClr val="accent5">
+                  <a:lumMod val="40000"/>
+                  <a:lumOff val="60000"/>
+                </a:schemeClr>
+              </a:gs>
+            </a:gsLst>
+            <a:lin ang="13500032" scaled="0"/>
+          </a:gradFill>
+          <a:ln w="19050" cap="flat" cmpd="sng">
+            <a:solidFill>
+              <a:srgbClr val="999999"/>
+            </a:solidFill>
+            <a:prstDash val="solid"/>
+            <a:round/>
+            <a:headEnd type="none" w="sm" len="sm"/>
+            <a:tailEnd type="none" w="sm" len="sm"/>
+          </a:ln>
+        </p:spPr>
+        <p:txBody>
+          <a:bodyPr spcFirstLastPara="1" wrap="square" lIns="91425" tIns="91425" rIns="91425" bIns="91425" anchor="ctr" anchorCtr="0">
+            <a:noAutofit/>
+          </a:bodyPr>
+          <a:lstStyle/>
+          <a:p>
+            <a:pPr marL="0" lvl="0" indent="0" algn="ctr" rtl="0">
+              <a:spcBef>
+                <a:spcPts val="0"/>
+              </a:spcBef>
+              <a:spcAft>
+                <a:spcPts val="0"/>
+              </a:spcAft>
+              <a:buNone/>
+            </a:pPr>
+            <a:r>
+              <a:rPr lang="zh-CN" altLang="en-US" sz="1200" b="1" dirty="0"/>
+              <a:t>离散特征</a:t>
+            </a:r>
+            <a:endParaRPr sz="1200" b="1" dirty="0"/>
+          </a:p>
+        </p:txBody>
+      </p:sp>
+      <p:sp>
+        <p:nvSpPr>
+          <p:cNvPr id="72" name="Google Shape;357;p22">
+            <a:extLst>
+              <a:ext uri="{FF2B5EF4-FFF2-40B4-BE49-F238E27FC236}">
+                <a16:creationId xmlns:a16="http://schemas.microsoft.com/office/drawing/2014/main" id="{268869CF-871A-4278-BAF2-29DE9C6C1846}"/>
+              </a:ext>
+            </a:extLst>
+          </p:cNvPr>
+          <p:cNvSpPr/>
+          <p:nvPr/>
+        </p:nvSpPr>
+        <p:spPr>
+          <a:xfrm rot="16200000">
+            <a:off x="1413795" y="4336638"/>
+            <a:ext cx="1276547" cy="342456"/>
+          </a:xfrm>
+          <a:prstGeom prst="roundRect">
+            <a:avLst>
+              <a:gd name="adj" fmla="val 28518"/>
+            </a:avLst>
+          </a:prstGeom>
+          <a:gradFill>
+            <a:gsLst>
+              <a:gs pos="0">
+                <a:schemeClr val="accent3">
+                  <a:lumMod val="20000"/>
+                  <a:lumOff val="80000"/>
+                </a:schemeClr>
+              </a:gs>
+              <a:gs pos="100000">
+                <a:schemeClr val="accent3">
+                  <a:lumMod val="60000"/>
+                  <a:lumOff val="40000"/>
+                </a:schemeClr>
+              </a:gs>
+            </a:gsLst>
+            <a:lin ang="13500032" scaled="0"/>
+          </a:gradFill>
+          <a:ln w="19050" cap="flat" cmpd="sng">
+            <a:solidFill>
+              <a:srgbClr val="999999"/>
+            </a:solidFill>
+            <a:prstDash val="solid"/>
+            <a:round/>
+            <a:headEnd type="none" w="sm" len="sm"/>
+            <a:tailEnd type="none" w="sm" len="sm"/>
+          </a:ln>
+        </p:spPr>
+        <p:txBody>
+          <a:bodyPr spcFirstLastPara="1" wrap="square" lIns="91425" tIns="91425" rIns="91425" bIns="91425" anchor="ctr" anchorCtr="0">
+            <a:noAutofit/>
+          </a:bodyPr>
+          <a:lstStyle/>
+          <a:p>
+            <a:pPr marL="0" lvl="0" indent="0" algn="ctr" rtl="0">
+              <a:spcBef>
+                <a:spcPts val="0"/>
+              </a:spcBef>
+              <a:spcAft>
+                <a:spcPts val="0"/>
+              </a:spcAft>
+              <a:buNone/>
+            </a:pPr>
+            <a:r>
+              <a:rPr lang="en" sz="1400" b="1" dirty="0"/>
+              <a:t>Embedding</a:t>
+            </a:r>
+            <a:endParaRPr sz="1400" b="1" dirty="0"/>
+          </a:p>
+        </p:txBody>
+      </p:sp>
+      <p:sp>
+        <p:nvSpPr>
+          <p:cNvPr id="73" name="Google Shape;379;p22">
+            <a:extLst>
+              <a:ext uri="{FF2B5EF4-FFF2-40B4-BE49-F238E27FC236}">
+                <a16:creationId xmlns:a16="http://schemas.microsoft.com/office/drawing/2014/main" id="{FBB611BB-C7A8-479F-857D-CDAF0E9506F2}"/>
+              </a:ext>
+            </a:extLst>
+          </p:cNvPr>
+          <p:cNvSpPr/>
+          <p:nvPr/>
+        </p:nvSpPr>
+        <p:spPr>
+          <a:xfrm>
+            <a:off x="646503" y="3179512"/>
+            <a:ext cx="889485" cy="541204"/>
+          </a:xfrm>
+          <a:prstGeom prst="roundRect">
+            <a:avLst>
+              <a:gd name="adj" fmla="val 28518"/>
+            </a:avLst>
+          </a:prstGeom>
+          <a:gradFill>
+            <a:gsLst>
+              <a:gs pos="100000">
+                <a:schemeClr val="accent2">
+                  <a:lumMod val="40000"/>
+                  <a:lumOff val="60000"/>
+                </a:schemeClr>
+              </a:gs>
+              <a:gs pos="0">
+                <a:schemeClr val="accent5">
+                  <a:lumMod val="40000"/>
+                  <a:lumOff val="60000"/>
+                </a:schemeClr>
+              </a:gs>
+            </a:gsLst>
+            <a:lin ang="13500032" scaled="0"/>
+          </a:gradFill>
+          <a:ln w="19050" cap="flat" cmpd="sng">
+            <a:solidFill>
+              <a:srgbClr val="999999"/>
+            </a:solidFill>
+            <a:prstDash val="solid"/>
+            <a:round/>
+            <a:headEnd type="none" w="sm" len="sm"/>
+            <a:tailEnd type="none" w="sm" len="sm"/>
+          </a:ln>
+        </p:spPr>
+        <p:txBody>
+          <a:bodyPr spcFirstLastPara="1" wrap="square" lIns="91425" tIns="91425" rIns="91425" bIns="91425" anchor="ctr" anchorCtr="0">
+            <a:noAutofit/>
+          </a:bodyPr>
+          <a:lstStyle/>
+          <a:p>
+            <a:pPr marL="0" lvl="0" indent="0" algn="ctr" rtl="0">
+              <a:spcBef>
+                <a:spcPts val="0"/>
+              </a:spcBef>
+              <a:spcAft>
+                <a:spcPts val="0"/>
+              </a:spcAft>
+              <a:buNone/>
+            </a:pPr>
+            <a:r>
+              <a:rPr lang="zh-CN" altLang="en-US" sz="1200" b="1" dirty="0"/>
+              <a:t>连续特征</a:t>
+            </a:r>
+            <a:endParaRPr sz="1200" b="1" dirty="0"/>
+          </a:p>
+        </p:txBody>
+      </p:sp>
+      <p:sp>
+        <p:nvSpPr>
+          <p:cNvPr id="74" name="Google Shape;379;p22">
+            <a:extLst>
+              <a:ext uri="{FF2B5EF4-FFF2-40B4-BE49-F238E27FC236}">
+                <a16:creationId xmlns:a16="http://schemas.microsoft.com/office/drawing/2014/main" id="{29C0F552-DCCD-4D87-B870-9D10954EE9F7}"/>
+              </a:ext>
+            </a:extLst>
+          </p:cNvPr>
+          <p:cNvSpPr/>
+          <p:nvPr/>
+        </p:nvSpPr>
+        <p:spPr>
+          <a:xfrm>
+            <a:off x="646502" y="2196478"/>
+            <a:ext cx="889485" cy="541204"/>
+          </a:xfrm>
+          <a:prstGeom prst="roundRect">
+            <a:avLst>
+              <a:gd name="adj" fmla="val 28518"/>
+            </a:avLst>
+          </a:prstGeom>
+          <a:gradFill>
+            <a:gsLst>
+              <a:gs pos="100000">
+                <a:schemeClr val="accent2">
+                  <a:lumMod val="40000"/>
+                  <a:lumOff val="60000"/>
+                </a:schemeClr>
+              </a:gs>
+              <a:gs pos="0">
+                <a:schemeClr val="accent5">
+                  <a:lumMod val="40000"/>
+                  <a:lumOff val="60000"/>
+                </a:schemeClr>
+              </a:gs>
+            </a:gsLst>
+            <a:lin ang="13500032" scaled="0"/>
+          </a:gradFill>
+          <a:ln w="19050" cap="flat" cmpd="sng">
+            <a:solidFill>
+              <a:srgbClr val="999999"/>
+            </a:solidFill>
+            <a:prstDash val="solid"/>
+            <a:round/>
+            <a:headEnd type="none" w="sm" len="sm"/>
+            <a:tailEnd type="none" w="sm" len="sm"/>
+          </a:ln>
+        </p:spPr>
+        <p:txBody>
+          <a:bodyPr spcFirstLastPara="1" wrap="square" lIns="91425" tIns="91425" rIns="91425" bIns="91425" anchor="ctr" anchorCtr="0">
+            <a:noAutofit/>
+          </a:bodyPr>
+          <a:lstStyle/>
+          <a:p>
+            <a:pPr marL="0" lvl="0" indent="0" algn="ctr" rtl="0">
+              <a:spcBef>
+                <a:spcPts val="0"/>
+              </a:spcBef>
+              <a:spcAft>
+                <a:spcPts val="0"/>
+              </a:spcAft>
+              <a:buNone/>
+            </a:pPr>
+            <a:r>
+              <a:rPr lang="zh-CN" altLang="en-US" sz="1200" b="1" dirty="0"/>
+              <a:t>曲线特征</a:t>
+            </a:r>
+            <a:endParaRPr sz="1200" b="1" dirty="0"/>
+          </a:p>
+        </p:txBody>
+      </p:sp>
+      <p:cxnSp>
+        <p:nvCxnSpPr>
+          <p:cNvPr id="76" name="Google Shape;395;p22">
+            <a:extLst>
+              <a:ext uri="{FF2B5EF4-FFF2-40B4-BE49-F238E27FC236}">
+                <a16:creationId xmlns:a16="http://schemas.microsoft.com/office/drawing/2014/main" id="{DA663498-B67C-4F84-8EA3-16A8A0C633A4}"/>
+              </a:ext>
+            </a:extLst>
+          </p:cNvPr>
+          <p:cNvCxnSpPr>
+            <a:cxnSpLocks/>
+            <a:stCxn id="71" idx="3"/>
+            <a:endCxn id="72" idx="0"/>
+          </p:cNvCxnSpPr>
+          <p:nvPr/>
+        </p:nvCxnSpPr>
+        <p:spPr>
+          <a:xfrm flipV="1">
+            <a:off x="1557090" y="4507866"/>
+            <a:ext cx="323750" cy="2121"/>
+          </a:xfrm>
+          <a:prstGeom prst="straightConnector1">
+            <a:avLst/>
+          </a:prstGeom>
+          <a:noFill/>
+          <a:ln w="12700" cap="flat" cmpd="sng">
+            <a:solidFill>
+              <a:schemeClr val="dk2"/>
+            </a:solidFill>
+            <a:prstDash val="solid"/>
+            <a:round/>
+            <a:headEnd type="none" w="med" len="med"/>
+            <a:tailEnd type="triangle" w="med" len="med"/>
+          </a:ln>
+        </p:spPr>
+      </p:cxnSp>
+      <p:cxnSp>
+        <p:nvCxnSpPr>
+          <p:cNvPr id="79" name="Google Shape;395;p22">
+            <a:extLst>
+              <a:ext uri="{FF2B5EF4-FFF2-40B4-BE49-F238E27FC236}">
+                <a16:creationId xmlns:a16="http://schemas.microsoft.com/office/drawing/2014/main" id="{7DFD291F-4D0A-43D6-A752-082A2D402448}"/>
+              </a:ext>
+            </a:extLst>
+          </p:cNvPr>
+          <p:cNvCxnSpPr>
+            <a:cxnSpLocks/>
+            <a:stCxn id="73" idx="3"/>
+            <a:endCxn id="82" idx="0"/>
+          </p:cNvCxnSpPr>
+          <p:nvPr/>
+        </p:nvCxnSpPr>
+        <p:spPr>
+          <a:xfrm>
+            <a:off x="1535988" y="3450114"/>
+            <a:ext cx="1355962" cy="838958"/>
+          </a:xfrm>
+          <a:prstGeom prst="bentConnector2">
+            <a:avLst/>
+          </a:prstGeom>
+          <a:noFill/>
+          <a:ln w="12700" cap="flat" cmpd="sng">
+            <a:solidFill>
+              <a:schemeClr val="dk2"/>
+            </a:solidFill>
+            <a:prstDash val="solid"/>
+            <a:round/>
+            <a:headEnd type="none" w="med" len="med"/>
+            <a:tailEnd type="triangle" w="med" len="med"/>
+          </a:ln>
+        </p:spPr>
+      </p:cxnSp>
+      <p:sp>
+        <p:nvSpPr>
+          <p:cNvPr id="82" name="Google Shape;357;p22">
+            <a:extLst>
+              <a:ext uri="{FF2B5EF4-FFF2-40B4-BE49-F238E27FC236}">
+                <a16:creationId xmlns:a16="http://schemas.microsoft.com/office/drawing/2014/main" id="{20505CFE-DF60-45B1-BDAA-7C9539B6AF95}"/>
+              </a:ext>
+            </a:extLst>
+          </p:cNvPr>
+          <p:cNvSpPr/>
+          <p:nvPr/>
+        </p:nvSpPr>
+        <p:spPr>
+          <a:xfrm>
+            <a:off x="2617927" y="4289072"/>
+            <a:ext cx="548046" cy="441830"/>
+          </a:xfrm>
+          <a:prstGeom prst="roundRect">
+            <a:avLst>
+              <a:gd name="adj" fmla="val 28518"/>
+            </a:avLst>
+          </a:prstGeom>
+          <a:gradFill>
+            <a:gsLst>
+              <a:gs pos="0">
+                <a:schemeClr val="accent3">
+                  <a:lumMod val="20000"/>
+                  <a:lumOff val="80000"/>
+                </a:schemeClr>
+              </a:gs>
+              <a:gs pos="100000">
+                <a:schemeClr val="accent3">
+                  <a:lumMod val="60000"/>
+                  <a:lumOff val="40000"/>
+                </a:schemeClr>
+              </a:gs>
+            </a:gsLst>
+            <a:lin ang="13500032" scaled="0"/>
+          </a:gradFill>
+          <a:ln w="19050" cap="flat" cmpd="sng">
+            <a:solidFill>
+              <a:srgbClr val="999999"/>
+            </a:solidFill>
+            <a:prstDash val="solid"/>
+            <a:round/>
+            <a:headEnd type="none" w="sm" len="sm"/>
+            <a:tailEnd type="none" w="sm" len="sm"/>
+          </a:ln>
+        </p:spPr>
+        <p:txBody>
+          <a:bodyPr spcFirstLastPara="1" wrap="square" lIns="91425" tIns="91425" rIns="91425" bIns="91425" anchor="ctr" anchorCtr="0">
+            <a:noAutofit/>
+          </a:bodyPr>
+          <a:lstStyle/>
+          <a:p>
+            <a:pPr marL="0" lvl="0" indent="0" algn="ctr" rtl="0">
+              <a:spcBef>
+                <a:spcPts val="0"/>
+              </a:spcBef>
+              <a:spcAft>
+                <a:spcPts val="0"/>
+              </a:spcAft>
+              <a:buNone/>
+            </a:pPr>
+            <a:r>
+              <a:rPr lang="en-US" altLang="zh-CN" sz="1600" b="1" dirty="0"/>
+              <a:t>cat</a:t>
+            </a:r>
+            <a:endParaRPr sz="1600" b="1" dirty="0"/>
+          </a:p>
+        </p:txBody>
+      </p:sp>
+      <p:cxnSp>
+        <p:nvCxnSpPr>
+          <p:cNvPr id="83" name="Google Shape;395;p22">
+            <a:extLst>
+              <a:ext uri="{FF2B5EF4-FFF2-40B4-BE49-F238E27FC236}">
+                <a16:creationId xmlns:a16="http://schemas.microsoft.com/office/drawing/2014/main" id="{E6ED5AB9-237E-47AA-96E4-9B179B05F28D}"/>
+              </a:ext>
+            </a:extLst>
+          </p:cNvPr>
+          <p:cNvCxnSpPr>
+            <a:cxnSpLocks/>
+            <a:stCxn id="72" idx="2"/>
+            <a:endCxn id="82" idx="1"/>
+          </p:cNvCxnSpPr>
+          <p:nvPr/>
+        </p:nvCxnSpPr>
+        <p:spPr>
+          <a:xfrm>
+            <a:off x="2223297" y="4507866"/>
+            <a:ext cx="394630" cy="2121"/>
+          </a:xfrm>
+          <a:prstGeom prst="straightConnector1">
+            <a:avLst/>
+          </a:prstGeom>
+          <a:noFill/>
+          <a:ln w="12700" cap="flat" cmpd="sng">
+            <a:solidFill>
+              <a:schemeClr val="dk2"/>
+            </a:solidFill>
+            <a:prstDash val="solid"/>
+            <a:round/>
+            <a:headEnd type="none" w="med" len="med"/>
+            <a:tailEnd type="triangle" w="med" len="med"/>
+          </a:ln>
+        </p:spPr>
+      </p:cxnSp>
+      <p:cxnSp>
+        <p:nvCxnSpPr>
+          <p:cNvPr id="101" name="Google Shape;395;p22">
+            <a:extLst>
+              <a:ext uri="{FF2B5EF4-FFF2-40B4-BE49-F238E27FC236}">
+                <a16:creationId xmlns:a16="http://schemas.microsoft.com/office/drawing/2014/main" id="{E798303D-D17A-4CFE-B702-644FB1B957BA}"/>
+              </a:ext>
+            </a:extLst>
+          </p:cNvPr>
+          <p:cNvCxnSpPr>
+            <a:cxnSpLocks/>
+            <a:stCxn id="74" idx="3"/>
+            <a:endCxn id="102" idx="1"/>
+          </p:cNvCxnSpPr>
+          <p:nvPr/>
+        </p:nvCxnSpPr>
+        <p:spPr>
+          <a:xfrm>
+            <a:off x="1535987" y="2467080"/>
+            <a:ext cx="626308" cy="11433"/>
+          </a:xfrm>
+          <a:prstGeom prst="straightConnector1">
+            <a:avLst/>
+          </a:prstGeom>
+          <a:noFill/>
+          <a:ln w="12700" cap="flat" cmpd="sng">
+            <a:solidFill>
+              <a:schemeClr val="dk2"/>
+            </a:solidFill>
+            <a:prstDash val="solid"/>
+            <a:round/>
+            <a:headEnd type="none" w="med" len="med"/>
+            <a:tailEnd type="triangle" w="med" len="med"/>
+          </a:ln>
+        </p:spPr>
+      </p:cxnSp>
+      <p:sp>
+        <p:nvSpPr>
+          <p:cNvPr id="102" name="Google Shape;357;p22">
+            <a:extLst>
+              <a:ext uri="{FF2B5EF4-FFF2-40B4-BE49-F238E27FC236}">
+                <a16:creationId xmlns:a16="http://schemas.microsoft.com/office/drawing/2014/main" id="{21AD81D7-117B-4876-801F-50772F24629C}"/>
+              </a:ext>
+            </a:extLst>
+          </p:cNvPr>
+          <p:cNvSpPr/>
+          <p:nvPr/>
+        </p:nvSpPr>
+        <p:spPr>
+          <a:xfrm>
+            <a:off x="2162295" y="2133147"/>
+            <a:ext cx="1355961" cy="690732"/>
+          </a:xfrm>
+          <a:prstGeom prst="roundRect">
+            <a:avLst>
+              <a:gd name="adj" fmla="val 28518"/>
+            </a:avLst>
+          </a:prstGeom>
+          <a:gradFill>
+            <a:gsLst>
+              <a:gs pos="0">
+                <a:schemeClr val="accent3">
+                  <a:lumMod val="20000"/>
+                  <a:lumOff val="80000"/>
+                </a:schemeClr>
+              </a:gs>
+              <a:gs pos="100000">
+                <a:schemeClr val="accent3">
+                  <a:lumMod val="60000"/>
+                  <a:lumOff val="40000"/>
+                </a:schemeClr>
+              </a:gs>
+            </a:gsLst>
+            <a:lin ang="13500032" scaled="0"/>
+          </a:gradFill>
+          <a:ln w="19050" cap="flat" cmpd="sng">
+            <a:solidFill>
+              <a:srgbClr val="999999"/>
+            </a:solidFill>
+            <a:prstDash val="solid"/>
+            <a:round/>
+            <a:headEnd type="none" w="sm" len="sm"/>
+            <a:tailEnd type="none" w="sm" len="sm"/>
+          </a:ln>
+        </p:spPr>
+        <p:txBody>
+          <a:bodyPr spcFirstLastPara="1" wrap="square" lIns="91425" tIns="91425" rIns="91425" bIns="91425" anchor="ctr" anchorCtr="0">
+            <a:noAutofit/>
+          </a:bodyPr>
+          <a:lstStyle/>
+          <a:p>
+            <a:pPr marL="0" lvl="0" indent="0" algn="ctr" rtl="0">
+              <a:spcBef>
+                <a:spcPts val="0"/>
+              </a:spcBef>
+              <a:spcAft>
+                <a:spcPts val="0"/>
+              </a:spcAft>
+              <a:buNone/>
+            </a:pPr>
+            <a:r>
+              <a:rPr lang="en-US" altLang="zh-CN" sz="1600" b="1" dirty="0">
+                <a:solidFill>
+                  <a:srgbClr val="FF0000"/>
+                </a:solidFill>
+              </a:rPr>
+              <a:t>TCN</a:t>
+            </a:r>
+          </a:p>
+          <a:p>
+            <a:pPr marL="0" lvl="0" indent="0" algn="ctr" rtl="0">
+              <a:spcBef>
+                <a:spcPts val="0"/>
+              </a:spcBef>
+              <a:spcAft>
+                <a:spcPts val="0"/>
+              </a:spcAft>
+              <a:buNone/>
+            </a:pPr>
+            <a:r>
+              <a:rPr lang="en-US" sz="1200" dirty="0">
+                <a:solidFill>
+                  <a:srgbClr val="666666"/>
+                </a:solidFill>
+                <a:latin typeface="微软雅黑" panose="020B0503020204020204" pitchFamily="34" charset="-122"/>
+                <a:ea typeface="微软雅黑" panose="020B0503020204020204" pitchFamily="34" charset="-122"/>
+              </a:rPr>
+              <a:t>(</a:t>
+            </a:r>
+            <a:r>
+              <a:rPr lang="zh-CN" altLang="en-US" sz="1200" dirty="0">
+                <a:solidFill>
+                  <a:srgbClr val="666666"/>
+                </a:solidFill>
+                <a:latin typeface="微软雅黑" panose="020B0503020204020204" pitchFamily="34" charset="-122"/>
+                <a:ea typeface="微软雅黑" panose="020B0503020204020204" pitchFamily="34" charset="-122"/>
+              </a:rPr>
+              <a:t>最后一层为</a:t>
+            </a:r>
+            <a:r>
+              <a:rPr lang="en-US" altLang="zh-CN" sz="1200" dirty="0">
+                <a:solidFill>
+                  <a:srgbClr val="666666"/>
+                </a:solidFill>
+                <a:latin typeface="微软雅黑" panose="020B0503020204020204" pitchFamily="34" charset="-122"/>
+                <a:ea typeface="微软雅黑" panose="020B0503020204020204" pitchFamily="34" charset="-122"/>
+              </a:rPr>
+              <a:t>Linear)</a:t>
+            </a:r>
+            <a:endParaRPr sz="1200" dirty="0">
+              <a:solidFill>
+                <a:srgbClr val="666666"/>
+              </a:solidFill>
+              <a:latin typeface="微软雅黑" panose="020B0503020204020204" pitchFamily="34" charset="-122"/>
+              <a:ea typeface="微软雅黑" panose="020B0503020204020204" pitchFamily="34" charset="-122"/>
+            </a:endParaRPr>
+          </a:p>
+        </p:txBody>
+      </p:sp>
+      <p:cxnSp>
+        <p:nvCxnSpPr>
+          <p:cNvPr id="107" name="Google Shape;395;p22">
+            <a:extLst>
+              <a:ext uri="{FF2B5EF4-FFF2-40B4-BE49-F238E27FC236}">
+                <a16:creationId xmlns:a16="http://schemas.microsoft.com/office/drawing/2014/main" id="{FC341F19-4B34-4ADD-913A-00B4F03BAE15}"/>
+              </a:ext>
+            </a:extLst>
+          </p:cNvPr>
+          <p:cNvCxnSpPr>
+            <a:cxnSpLocks/>
+            <a:stCxn id="102" idx="3"/>
+            <a:endCxn id="125" idx="0"/>
+          </p:cNvCxnSpPr>
+          <p:nvPr/>
+        </p:nvCxnSpPr>
+        <p:spPr>
+          <a:xfrm>
+            <a:off x="3518256" y="2478513"/>
+            <a:ext cx="802532" cy="819665"/>
+          </a:xfrm>
+          <a:prstGeom prst="bentConnector2">
+            <a:avLst/>
+          </a:prstGeom>
+          <a:noFill/>
+          <a:ln w="12700" cap="flat" cmpd="sng">
+            <a:solidFill>
+              <a:schemeClr val="dk2"/>
+            </a:solidFill>
+            <a:prstDash val="solid"/>
+            <a:round/>
+            <a:headEnd type="none" w="med" len="med"/>
+            <a:tailEnd type="triangle" w="med" len="med"/>
+          </a:ln>
+        </p:spPr>
+      </p:cxnSp>
+      <p:cxnSp>
+        <p:nvCxnSpPr>
+          <p:cNvPr id="112" name="Google Shape;395;p22">
+            <a:extLst>
+              <a:ext uri="{FF2B5EF4-FFF2-40B4-BE49-F238E27FC236}">
+                <a16:creationId xmlns:a16="http://schemas.microsoft.com/office/drawing/2014/main" id="{05E7EE49-D902-4BE9-A67E-2D7A7E550D37}"/>
+              </a:ext>
+            </a:extLst>
+          </p:cNvPr>
+          <p:cNvCxnSpPr>
+            <a:cxnSpLocks/>
+            <a:stCxn id="82" idx="3"/>
+            <a:endCxn id="113" idx="1"/>
+          </p:cNvCxnSpPr>
+          <p:nvPr/>
+        </p:nvCxnSpPr>
+        <p:spPr>
+          <a:xfrm flipV="1">
+            <a:off x="3165973" y="4507866"/>
+            <a:ext cx="352283" cy="2121"/>
+          </a:xfrm>
+          <a:prstGeom prst="straightConnector1">
+            <a:avLst/>
+          </a:prstGeom>
+          <a:noFill/>
+          <a:ln w="12700" cap="flat" cmpd="sng">
+            <a:solidFill>
+              <a:schemeClr val="dk2"/>
+            </a:solidFill>
+            <a:prstDash val="solid"/>
+            <a:round/>
+            <a:headEnd type="none" w="med" len="med"/>
+            <a:tailEnd type="triangle" w="med" len="med"/>
+          </a:ln>
+        </p:spPr>
+      </p:cxnSp>
+      <p:sp>
+        <p:nvSpPr>
+          <p:cNvPr id="113" name="Google Shape;357;p22">
+            <a:extLst>
+              <a:ext uri="{FF2B5EF4-FFF2-40B4-BE49-F238E27FC236}">
+                <a16:creationId xmlns:a16="http://schemas.microsoft.com/office/drawing/2014/main" id="{B24741AD-836D-4F14-B8B8-4587992651DF}"/>
+              </a:ext>
+            </a:extLst>
+          </p:cNvPr>
+          <p:cNvSpPr/>
+          <p:nvPr/>
+        </p:nvSpPr>
+        <p:spPr>
+          <a:xfrm>
+            <a:off x="3518256" y="4162500"/>
+            <a:ext cx="1605065" cy="690732"/>
+          </a:xfrm>
+          <a:prstGeom prst="roundRect">
+            <a:avLst>
+              <a:gd name="adj" fmla="val 28518"/>
+            </a:avLst>
+          </a:prstGeom>
+          <a:gradFill>
+            <a:gsLst>
+              <a:gs pos="0">
+                <a:schemeClr val="accent3">
+                  <a:lumMod val="20000"/>
+                  <a:lumOff val="80000"/>
+                </a:schemeClr>
+              </a:gs>
+              <a:gs pos="100000">
+                <a:schemeClr val="accent3">
+                  <a:lumMod val="60000"/>
+                  <a:lumOff val="40000"/>
+                </a:schemeClr>
+              </a:gs>
+            </a:gsLst>
+            <a:lin ang="13500032" scaled="0"/>
+          </a:gradFill>
+          <a:ln w="19050" cap="flat" cmpd="sng">
+            <a:solidFill>
+              <a:srgbClr val="999999"/>
+            </a:solidFill>
+            <a:prstDash val="solid"/>
+            <a:round/>
+            <a:headEnd type="none" w="sm" len="sm"/>
+            <a:tailEnd type="none" w="sm" len="sm"/>
+          </a:ln>
+        </p:spPr>
+        <p:txBody>
+          <a:bodyPr spcFirstLastPara="1" wrap="square" lIns="91425" tIns="91425" rIns="91425" bIns="91425" anchor="ctr" anchorCtr="0">
+            <a:noAutofit/>
+          </a:bodyPr>
+          <a:lstStyle/>
+          <a:p>
+            <a:pPr marL="0" lvl="0" indent="0" algn="ctr" rtl="0">
+              <a:spcBef>
+                <a:spcPts val="0"/>
+              </a:spcBef>
+              <a:spcAft>
+                <a:spcPts val="0"/>
+              </a:spcAft>
+              <a:buNone/>
+            </a:pPr>
+            <a:r>
+              <a:rPr lang="en-US" altLang="zh-CN" sz="1600" b="1" dirty="0" err="1">
+                <a:solidFill>
+                  <a:srgbClr val="FF0000"/>
+                </a:solidFill>
+              </a:rPr>
+              <a:t>MLP_encoder</a:t>
+            </a:r>
+            <a:endParaRPr lang="en-US" altLang="zh-CN" sz="1600" b="1" dirty="0">
+              <a:solidFill>
+                <a:srgbClr val="FF0000"/>
+              </a:solidFill>
+            </a:endParaRPr>
+          </a:p>
+          <a:p>
+            <a:pPr marL="0" lvl="0" indent="0" algn="ctr" rtl="0">
+              <a:spcBef>
+                <a:spcPts val="0"/>
+              </a:spcBef>
+              <a:spcAft>
+                <a:spcPts val="0"/>
+              </a:spcAft>
+              <a:buNone/>
+            </a:pPr>
+            <a:r>
+              <a:rPr lang="en-US" sz="1200" dirty="0">
+                <a:solidFill>
+                  <a:srgbClr val="666666"/>
+                </a:solidFill>
+                <a:latin typeface="微软雅黑" panose="020B0503020204020204" pitchFamily="34" charset="-122"/>
+                <a:ea typeface="微软雅黑" panose="020B0503020204020204" pitchFamily="34" charset="-122"/>
+              </a:rPr>
+              <a:t>(</a:t>
+            </a:r>
+            <a:r>
+              <a:rPr lang="zh-CN" altLang="en-US" sz="1200" dirty="0">
+                <a:solidFill>
+                  <a:srgbClr val="666666"/>
+                </a:solidFill>
+                <a:latin typeface="微软雅黑" panose="020B0503020204020204" pitchFamily="34" charset="-122"/>
+                <a:ea typeface="微软雅黑" panose="020B0503020204020204" pitchFamily="34" charset="-122"/>
+              </a:rPr>
+              <a:t>最后一层为</a:t>
+            </a:r>
+            <a:r>
+              <a:rPr lang="en-US" altLang="zh-CN" sz="1200" dirty="0">
+                <a:solidFill>
+                  <a:srgbClr val="666666"/>
+                </a:solidFill>
+                <a:latin typeface="微软雅黑" panose="020B0503020204020204" pitchFamily="34" charset="-122"/>
+                <a:ea typeface="微软雅黑" panose="020B0503020204020204" pitchFamily="34" charset="-122"/>
+              </a:rPr>
+              <a:t>Linear)</a:t>
+            </a:r>
+            <a:endParaRPr sz="1200" dirty="0">
+              <a:solidFill>
+                <a:srgbClr val="666666"/>
+              </a:solidFill>
+              <a:latin typeface="微软雅黑" panose="020B0503020204020204" pitchFamily="34" charset="-122"/>
+              <a:ea typeface="微软雅黑" panose="020B0503020204020204" pitchFamily="34" charset="-122"/>
+            </a:endParaRPr>
+          </a:p>
+        </p:txBody>
+      </p:sp>
+      <p:sp>
+        <p:nvSpPr>
+          <p:cNvPr id="125" name="Google Shape;357;p22">
+            <a:extLst>
+              <a:ext uri="{FF2B5EF4-FFF2-40B4-BE49-F238E27FC236}">
+                <a16:creationId xmlns:a16="http://schemas.microsoft.com/office/drawing/2014/main" id="{B6026B02-D5C1-4AB9-82AE-E5A50890AECB}"/>
+              </a:ext>
+            </a:extLst>
+          </p:cNvPr>
+          <p:cNvSpPr/>
+          <p:nvPr/>
+        </p:nvSpPr>
+        <p:spPr>
+          <a:xfrm>
+            <a:off x="4046765" y="3298178"/>
+            <a:ext cx="548046" cy="441830"/>
+          </a:xfrm>
+          <a:prstGeom prst="roundRect">
+            <a:avLst>
+              <a:gd name="adj" fmla="val 28518"/>
+            </a:avLst>
+          </a:prstGeom>
+          <a:gradFill>
+            <a:gsLst>
+              <a:gs pos="0">
+                <a:schemeClr val="accent3">
+                  <a:lumMod val="20000"/>
+                  <a:lumOff val="80000"/>
+                </a:schemeClr>
+              </a:gs>
+              <a:gs pos="100000">
+                <a:schemeClr val="accent3">
+                  <a:lumMod val="60000"/>
+                  <a:lumOff val="40000"/>
+                </a:schemeClr>
+              </a:gs>
+            </a:gsLst>
+            <a:lin ang="13500032" scaled="0"/>
+          </a:gradFill>
+          <a:ln w="19050" cap="flat" cmpd="sng">
+            <a:solidFill>
+              <a:srgbClr val="999999"/>
+            </a:solidFill>
+            <a:prstDash val="solid"/>
+            <a:round/>
+            <a:headEnd type="none" w="sm" len="sm"/>
+            <a:tailEnd type="none" w="sm" len="sm"/>
+          </a:ln>
+        </p:spPr>
+        <p:txBody>
+          <a:bodyPr spcFirstLastPara="1" wrap="square" lIns="91425" tIns="91425" rIns="91425" bIns="91425" anchor="ctr" anchorCtr="0">
+            <a:noAutofit/>
+          </a:bodyPr>
+          <a:lstStyle/>
+          <a:p>
+            <a:pPr marL="0" lvl="0" indent="0" algn="ctr" rtl="0">
+              <a:spcBef>
+                <a:spcPts val="0"/>
+              </a:spcBef>
+              <a:spcAft>
+                <a:spcPts val="0"/>
+              </a:spcAft>
+              <a:buNone/>
+            </a:pPr>
+            <a:r>
+              <a:rPr lang="en-US" altLang="zh-CN" sz="1600" b="1" dirty="0"/>
+              <a:t>cat</a:t>
+            </a:r>
+            <a:endParaRPr sz="1600" b="1" dirty="0"/>
+          </a:p>
+        </p:txBody>
+      </p:sp>
+      <p:cxnSp>
+        <p:nvCxnSpPr>
+          <p:cNvPr id="129" name="Google Shape;395;p22">
+            <a:extLst>
+              <a:ext uri="{FF2B5EF4-FFF2-40B4-BE49-F238E27FC236}">
+                <a16:creationId xmlns:a16="http://schemas.microsoft.com/office/drawing/2014/main" id="{779453B3-2D46-48BF-AA43-328C8FB47A4C}"/>
+              </a:ext>
+            </a:extLst>
+          </p:cNvPr>
+          <p:cNvCxnSpPr>
+            <a:cxnSpLocks/>
+            <a:stCxn id="113" idx="0"/>
+            <a:endCxn id="125" idx="2"/>
+          </p:cNvCxnSpPr>
+          <p:nvPr/>
+        </p:nvCxnSpPr>
+        <p:spPr>
+          <a:xfrm flipH="1" flipV="1">
+            <a:off x="4320788" y="3740008"/>
+            <a:ext cx="1" cy="422492"/>
+          </a:xfrm>
+          <a:prstGeom prst="straightConnector1">
+            <a:avLst/>
+          </a:prstGeom>
+          <a:noFill/>
+          <a:ln w="12700" cap="flat" cmpd="sng">
+            <a:solidFill>
+              <a:schemeClr val="dk2"/>
+            </a:solidFill>
+            <a:prstDash val="solid"/>
+            <a:round/>
+            <a:headEnd type="none" w="med" len="med"/>
+            <a:tailEnd type="triangle" w="med" len="med"/>
+          </a:ln>
+        </p:spPr>
+      </p:cxnSp>
+      <p:cxnSp>
+        <p:nvCxnSpPr>
+          <p:cNvPr id="135" name="Google Shape;395;p22">
+            <a:extLst>
+              <a:ext uri="{FF2B5EF4-FFF2-40B4-BE49-F238E27FC236}">
+                <a16:creationId xmlns:a16="http://schemas.microsoft.com/office/drawing/2014/main" id="{FB994BC6-26C4-4B8C-9AB3-859CFEAAD11B}"/>
+              </a:ext>
+            </a:extLst>
+          </p:cNvPr>
+          <p:cNvCxnSpPr>
+            <a:cxnSpLocks/>
+            <a:stCxn id="125" idx="3"/>
+            <a:endCxn id="138" idx="1"/>
+          </p:cNvCxnSpPr>
+          <p:nvPr/>
+        </p:nvCxnSpPr>
+        <p:spPr>
+          <a:xfrm>
+            <a:off x="4594811" y="3519093"/>
+            <a:ext cx="818760" cy="0"/>
+          </a:xfrm>
+          <a:prstGeom prst="straightConnector1">
+            <a:avLst/>
+          </a:prstGeom>
+          <a:noFill/>
+          <a:ln w="12700" cap="flat" cmpd="sng">
+            <a:solidFill>
+              <a:schemeClr val="dk2"/>
+            </a:solidFill>
+            <a:prstDash val="solid"/>
+            <a:round/>
+            <a:headEnd type="none" w="med" len="med"/>
+            <a:tailEnd type="triangle" w="med" len="med"/>
+          </a:ln>
+        </p:spPr>
+      </p:cxnSp>
+      <p:sp>
+        <p:nvSpPr>
+          <p:cNvPr id="138" name="Google Shape;379;p22">
+            <a:extLst>
+              <a:ext uri="{FF2B5EF4-FFF2-40B4-BE49-F238E27FC236}">
+                <a16:creationId xmlns:a16="http://schemas.microsoft.com/office/drawing/2014/main" id="{157EB4CB-D167-4718-A886-00499C1AEFC5}"/>
+              </a:ext>
+            </a:extLst>
+          </p:cNvPr>
+          <p:cNvSpPr/>
+          <p:nvPr/>
+        </p:nvSpPr>
+        <p:spPr>
+          <a:xfrm>
+            <a:off x="5413571" y="3248491"/>
+            <a:ext cx="889485" cy="541204"/>
+          </a:xfrm>
+          <a:prstGeom prst="roundRect">
+            <a:avLst>
+              <a:gd name="adj" fmla="val 28518"/>
+            </a:avLst>
+          </a:prstGeom>
+          <a:gradFill>
+            <a:gsLst>
+              <a:gs pos="100000">
+                <a:schemeClr val="accent2">
+                  <a:lumMod val="40000"/>
+                  <a:lumOff val="60000"/>
+                </a:schemeClr>
+              </a:gs>
+              <a:gs pos="0">
+                <a:schemeClr val="accent5">
+                  <a:lumMod val="40000"/>
+                  <a:lumOff val="60000"/>
+                </a:schemeClr>
+              </a:gs>
+            </a:gsLst>
+            <a:lin ang="13500032" scaled="0"/>
+          </a:gradFill>
+          <a:ln w="19050" cap="flat" cmpd="sng">
+            <a:solidFill>
+              <a:srgbClr val="999999"/>
+            </a:solidFill>
+            <a:prstDash val="solid"/>
+            <a:round/>
+            <a:headEnd type="none" w="sm" len="sm"/>
+            <a:tailEnd type="none" w="sm" len="sm"/>
+          </a:ln>
+        </p:spPr>
+        <p:txBody>
+          <a:bodyPr spcFirstLastPara="1" wrap="square" lIns="91425" tIns="91425" rIns="91425" bIns="91425" anchor="ctr" anchorCtr="0">
+            <a:noAutofit/>
+          </a:bodyPr>
+          <a:lstStyle/>
+          <a:p>
+            <a:pPr marL="0" lvl="0" indent="0" algn="ctr" rtl="0">
+              <a:spcBef>
+                <a:spcPts val="0"/>
+              </a:spcBef>
+              <a:spcAft>
+                <a:spcPts val="0"/>
+              </a:spcAft>
+              <a:buNone/>
+            </a:pPr>
+            <a:r>
+              <a:rPr lang="en-US" altLang="zh-CN" sz="1200" b="1" dirty="0"/>
+              <a:t>Encoder</a:t>
+            </a:r>
+          </a:p>
+          <a:p>
+            <a:pPr marL="0" lvl="0" indent="0" algn="ctr" rtl="0">
+              <a:spcBef>
+                <a:spcPts val="0"/>
+              </a:spcBef>
+              <a:spcAft>
+                <a:spcPts val="0"/>
+              </a:spcAft>
+              <a:buNone/>
+            </a:pPr>
+            <a:r>
+              <a:rPr lang="zh-CN" altLang="en-US" sz="1200" b="1" dirty="0"/>
+              <a:t>输出特征</a:t>
+            </a:r>
+            <a:endParaRPr sz="1200" b="1" dirty="0"/>
+          </a:p>
+        </p:txBody>
+      </p:sp>
+      <p:cxnSp>
+        <p:nvCxnSpPr>
+          <p:cNvPr id="144" name="Google Shape;395;p22">
+            <a:extLst>
+              <a:ext uri="{FF2B5EF4-FFF2-40B4-BE49-F238E27FC236}">
+                <a16:creationId xmlns:a16="http://schemas.microsoft.com/office/drawing/2014/main" id="{4A58172D-A5DD-4A77-ABD0-CF28310C4231}"/>
+              </a:ext>
+            </a:extLst>
+          </p:cNvPr>
+          <p:cNvCxnSpPr>
+            <a:cxnSpLocks/>
+            <a:stCxn id="113" idx="1"/>
+          </p:cNvCxnSpPr>
+          <p:nvPr/>
+        </p:nvCxnSpPr>
+        <p:spPr>
+          <a:xfrm rot="10800000" flipH="1" flipV="1">
+            <a:off x="3518256" y="4507866"/>
+            <a:ext cx="2340056" cy="747022"/>
+          </a:xfrm>
+          <a:prstGeom prst="bentConnector3">
+            <a:avLst>
+              <a:gd name="adj1" fmla="val -9769"/>
+            </a:avLst>
+          </a:prstGeom>
+          <a:noFill/>
+          <a:ln w="12700" cap="flat" cmpd="sng">
+            <a:solidFill>
+              <a:schemeClr val="dk2"/>
+            </a:solidFill>
+            <a:prstDash val="solid"/>
+            <a:round/>
+            <a:headEnd type="none" w="med" len="med"/>
+            <a:tailEnd type="none" w="med" len="med"/>
+          </a:ln>
+        </p:spPr>
+      </p:cxnSp>
+      <p:sp>
+        <p:nvSpPr>
+          <p:cNvPr id="153" name="Google Shape;357;p22">
+            <a:extLst>
+              <a:ext uri="{FF2B5EF4-FFF2-40B4-BE49-F238E27FC236}">
+                <a16:creationId xmlns:a16="http://schemas.microsoft.com/office/drawing/2014/main" id="{BE958595-3194-4FBE-B3C1-5DE8D3D5CAA2}"/>
+              </a:ext>
+            </a:extLst>
+          </p:cNvPr>
+          <p:cNvSpPr/>
+          <p:nvPr/>
+        </p:nvSpPr>
+        <p:spPr>
+          <a:xfrm>
+            <a:off x="5584290" y="4239385"/>
+            <a:ext cx="548046" cy="441830"/>
+          </a:xfrm>
+          <a:prstGeom prst="roundRect">
+            <a:avLst>
+              <a:gd name="adj" fmla="val 28518"/>
+            </a:avLst>
+          </a:prstGeom>
+          <a:gradFill>
+            <a:gsLst>
+              <a:gs pos="0">
+                <a:schemeClr val="accent3">
+                  <a:lumMod val="20000"/>
+                  <a:lumOff val="80000"/>
+                </a:schemeClr>
+              </a:gs>
+              <a:gs pos="100000">
+                <a:schemeClr val="accent3">
+                  <a:lumMod val="60000"/>
+                  <a:lumOff val="40000"/>
+                </a:schemeClr>
+              </a:gs>
+            </a:gsLst>
+            <a:lin ang="13500032" scaled="0"/>
+          </a:gradFill>
+          <a:ln w="19050" cap="flat" cmpd="sng">
+            <a:solidFill>
+              <a:srgbClr val="999999"/>
+            </a:solidFill>
+            <a:prstDash val="solid"/>
+            <a:round/>
+            <a:headEnd type="none" w="sm" len="sm"/>
+            <a:tailEnd type="none" w="sm" len="sm"/>
+          </a:ln>
+        </p:spPr>
+        <p:txBody>
+          <a:bodyPr spcFirstLastPara="1" wrap="square" lIns="91425" tIns="91425" rIns="91425" bIns="91425" anchor="ctr" anchorCtr="0">
+            <a:noAutofit/>
+          </a:bodyPr>
+          <a:lstStyle/>
+          <a:p>
+            <a:pPr marL="0" lvl="0" indent="0" algn="ctr" rtl="0">
+              <a:spcBef>
+                <a:spcPts val="0"/>
+              </a:spcBef>
+              <a:spcAft>
+                <a:spcPts val="0"/>
+              </a:spcAft>
+              <a:buNone/>
+            </a:pPr>
+            <a:r>
+              <a:rPr lang="en-US" altLang="zh-CN" sz="1600" b="1" dirty="0"/>
+              <a:t>cat</a:t>
+            </a:r>
+            <a:endParaRPr sz="1600" b="1" dirty="0"/>
+          </a:p>
+        </p:txBody>
+      </p:sp>
+      <p:cxnSp>
+        <p:nvCxnSpPr>
+          <p:cNvPr id="154" name="Google Shape;395;p22">
+            <a:extLst>
+              <a:ext uri="{FF2B5EF4-FFF2-40B4-BE49-F238E27FC236}">
+                <a16:creationId xmlns:a16="http://schemas.microsoft.com/office/drawing/2014/main" id="{3F275A91-348E-438C-A1FD-A2F4197FEFDC}"/>
+              </a:ext>
+            </a:extLst>
+          </p:cNvPr>
+          <p:cNvCxnSpPr>
+            <a:cxnSpLocks/>
+            <a:stCxn id="138" idx="2"/>
+            <a:endCxn id="153" idx="0"/>
+          </p:cNvCxnSpPr>
+          <p:nvPr/>
+        </p:nvCxnSpPr>
+        <p:spPr>
+          <a:xfrm flipH="1">
+            <a:off x="5858313" y="3789695"/>
+            <a:ext cx="1" cy="449690"/>
+          </a:xfrm>
+          <a:prstGeom prst="straightConnector1">
+            <a:avLst/>
+          </a:prstGeom>
+          <a:noFill/>
+          <a:ln w="12700" cap="flat" cmpd="sng">
+            <a:solidFill>
+              <a:schemeClr val="dk2"/>
+            </a:solidFill>
+            <a:prstDash val="solid"/>
+            <a:round/>
+            <a:headEnd type="none" w="med" len="med"/>
+            <a:tailEnd type="triangle" w="med" len="med"/>
+          </a:ln>
+        </p:spPr>
+      </p:cxnSp>
+      <p:cxnSp>
+        <p:nvCxnSpPr>
+          <p:cNvPr id="158" name="Google Shape;395;p22">
+            <a:extLst>
+              <a:ext uri="{FF2B5EF4-FFF2-40B4-BE49-F238E27FC236}">
+                <a16:creationId xmlns:a16="http://schemas.microsoft.com/office/drawing/2014/main" id="{7380E221-904E-4B62-A64E-ECF7BE35306C}"/>
+              </a:ext>
+            </a:extLst>
+          </p:cNvPr>
+          <p:cNvCxnSpPr>
+            <a:cxnSpLocks/>
+            <a:endCxn id="153" idx="2"/>
+          </p:cNvCxnSpPr>
+          <p:nvPr/>
+        </p:nvCxnSpPr>
+        <p:spPr>
+          <a:xfrm flipV="1">
+            <a:off x="5858313" y="4681215"/>
+            <a:ext cx="0" cy="573674"/>
+          </a:xfrm>
+          <a:prstGeom prst="straightConnector1">
+            <a:avLst/>
+          </a:prstGeom>
+          <a:noFill/>
+          <a:ln w="12700" cap="flat" cmpd="sng">
+            <a:solidFill>
+              <a:schemeClr val="dk2"/>
+            </a:solidFill>
+            <a:prstDash val="solid"/>
+            <a:round/>
+            <a:headEnd type="none" w="med" len="med"/>
+            <a:tailEnd type="triangle" w="med" len="med"/>
+          </a:ln>
+        </p:spPr>
+      </p:cxnSp>
+      <p:sp>
+        <p:nvSpPr>
+          <p:cNvPr id="177" name="Google Shape;357;p22">
+            <a:extLst>
+              <a:ext uri="{FF2B5EF4-FFF2-40B4-BE49-F238E27FC236}">
+                <a16:creationId xmlns:a16="http://schemas.microsoft.com/office/drawing/2014/main" id="{F2CE26E4-5B09-4A9B-9403-7786E81978FB}"/>
+              </a:ext>
+            </a:extLst>
+          </p:cNvPr>
+          <p:cNvSpPr/>
+          <p:nvPr/>
+        </p:nvSpPr>
+        <p:spPr>
+          <a:xfrm>
+            <a:off x="8172285" y="4126987"/>
+            <a:ext cx="1605065" cy="690732"/>
+          </a:xfrm>
+          <a:prstGeom prst="roundRect">
+            <a:avLst>
+              <a:gd name="adj" fmla="val 28518"/>
+            </a:avLst>
+          </a:prstGeom>
+          <a:gradFill>
+            <a:gsLst>
+              <a:gs pos="0">
+                <a:schemeClr val="accent3">
+                  <a:lumMod val="20000"/>
+                  <a:lumOff val="80000"/>
+                </a:schemeClr>
+              </a:gs>
+              <a:gs pos="100000">
+                <a:schemeClr val="accent3">
+                  <a:lumMod val="60000"/>
+                  <a:lumOff val="40000"/>
+                </a:schemeClr>
+              </a:gs>
+            </a:gsLst>
+            <a:lin ang="13500032" scaled="0"/>
+          </a:gradFill>
+          <a:ln w="19050" cap="flat" cmpd="sng">
+            <a:solidFill>
+              <a:srgbClr val="999999"/>
+            </a:solidFill>
+            <a:prstDash val="solid"/>
+            <a:round/>
+            <a:headEnd type="none" w="sm" len="sm"/>
+            <a:tailEnd type="none" w="sm" len="sm"/>
+          </a:ln>
+        </p:spPr>
+        <p:txBody>
+          <a:bodyPr spcFirstLastPara="1" wrap="square" lIns="91425" tIns="91425" rIns="91425" bIns="91425" anchor="ctr" anchorCtr="0">
+            <a:noAutofit/>
+          </a:bodyPr>
+          <a:lstStyle/>
+          <a:p>
+            <a:pPr marL="0" lvl="0" indent="0" algn="ctr" rtl="0">
+              <a:spcBef>
+                <a:spcPts val="0"/>
+              </a:spcBef>
+              <a:spcAft>
+                <a:spcPts val="0"/>
+              </a:spcAft>
+              <a:buNone/>
+            </a:pPr>
+            <a:r>
+              <a:rPr lang="en-US" altLang="zh-CN" sz="1600" b="1" dirty="0" err="1">
+                <a:solidFill>
+                  <a:srgbClr val="FF0000"/>
+                </a:solidFill>
+              </a:rPr>
+              <a:t>MLP_decoder</a:t>
+            </a:r>
+            <a:endParaRPr lang="en-US" altLang="zh-CN" sz="1600" b="1" dirty="0">
+              <a:solidFill>
+                <a:srgbClr val="FF0000"/>
+              </a:solidFill>
+            </a:endParaRPr>
+          </a:p>
+          <a:p>
+            <a:pPr marL="0" lvl="0" indent="0" algn="ctr" rtl="0">
+              <a:spcBef>
+                <a:spcPts val="0"/>
+              </a:spcBef>
+              <a:spcAft>
+                <a:spcPts val="0"/>
+              </a:spcAft>
+              <a:buNone/>
+            </a:pPr>
+            <a:r>
+              <a:rPr lang="en-US" sz="1200" dirty="0">
+                <a:solidFill>
+                  <a:srgbClr val="666666"/>
+                </a:solidFill>
+                <a:latin typeface="微软雅黑" panose="020B0503020204020204" pitchFamily="34" charset="-122"/>
+                <a:ea typeface="微软雅黑" panose="020B0503020204020204" pitchFamily="34" charset="-122"/>
+              </a:rPr>
+              <a:t>(</a:t>
+            </a:r>
+            <a:r>
+              <a:rPr lang="zh-CN" altLang="en-US" sz="1200" dirty="0">
+                <a:solidFill>
+                  <a:srgbClr val="666666"/>
+                </a:solidFill>
+                <a:latin typeface="微软雅黑" panose="020B0503020204020204" pitchFamily="34" charset="-122"/>
+                <a:ea typeface="微软雅黑" panose="020B0503020204020204" pitchFamily="34" charset="-122"/>
+              </a:rPr>
+              <a:t>最后一层为</a:t>
+            </a:r>
+            <a:r>
+              <a:rPr lang="en-US" altLang="zh-CN" sz="1200" dirty="0">
+                <a:solidFill>
+                  <a:srgbClr val="666666"/>
+                </a:solidFill>
+                <a:latin typeface="微软雅黑" panose="020B0503020204020204" pitchFamily="34" charset="-122"/>
+                <a:ea typeface="微软雅黑" panose="020B0503020204020204" pitchFamily="34" charset="-122"/>
+              </a:rPr>
+              <a:t>Linear)</a:t>
+            </a:r>
+            <a:endParaRPr sz="1200" dirty="0">
+              <a:solidFill>
+                <a:srgbClr val="666666"/>
+              </a:solidFill>
+              <a:latin typeface="微软雅黑" panose="020B0503020204020204" pitchFamily="34" charset="-122"/>
+              <a:ea typeface="微软雅黑" panose="020B0503020204020204" pitchFamily="34" charset="-122"/>
+            </a:endParaRPr>
+          </a:p>
+        </p:txBody>
+      </p:sp>
+      <p:sp>
+        <p:nvSpPr>
+          <p:cNvPr id="161" name="文本框 160">
+            <a:extLst>
+              <a:ext uri="{FF2B5EF4-FFF2-40B4-BE49-F238E27FC236}">
+                <a16:creationId xmlns:a16="http://schemas.microsoft.com/office/drawing/2014/main" id="{D5A4FCCE-B567-4088-8C18-194EA76CFFBA}"/>
+              </a:ext>
+            </a:extLst>
+          </p:cNvPr>
+          <p:cNvSpPr txBox="1"/>
+          <p:nvPr/>
+        </p:nvSpPr>
+        <p:spPr>
+          <a:xfrm>
+            <a:off x="4129774" y="5026822"/>
+            <a:ext cx="800219" cy="276999"/>
+          </a:xfrm>
+          <a:prstGeom prst="rect">
+            <a:avLst/>
+          </a:prstGeom>
+          <a:noFill/>
+        </p:spPr>
+        <p:txBody>
+          <a:bodyPr wrap="none" rtlCol="0">
+            <a:spAutoFit/>
+          </a:bodyPr>
+          <a:lstStyle/>
+          <a:p>
+            <a:r>
+              <a:rPr lang="zh-CN" altLang="en-US" sz="1200" dirty="0">
+                <a:solidFill>
+                  <a:schemeClr val="bg1">
+                    <a:lumMod val="50000"/>
+                  </a:schemeClr>
+                </a:solidFill>
+                <a:latin typeface="微软雅黑" panose="020B0503020204020204" pitchFamily="34" charset="-122"/>
+                <a:ea typeface="微软雅黑" panose="020B0503020204020204" pitchFamily="34" charset="-122"/>
+              </a:rPr>
+              <a:t>特征复用</a:t>
+            </a:r>
+          </a:p>
+        </p:txBody>
+      </p:sp>
+      <p:cxnSp>
+        <p:nvCxnSpPr>
+          <p:cNvPr id="181" name="Google Shape;395;p22">
+            <a:extLst>
+              <a:ext uri="{FF2B5EF4-FFF2-40B4-BE49-F238E27FC236}">
+                <a16:creationId xmlns:a16="http://schemas.microsoft.com/office/drawing/2014/main" id="{42CF70EF-B753-4FA0-88D7-6350EF229AF2}"/>
+              </a:ext>
+            </a:extLst>
+          </p:cNvPr>
+          <p:cNvCxnSpPr>
+            <a:cxnSpLocks/>
+            <a:stCxn id="138" idx="0"/>
+            <a:endCxn id="188" idx="2"/>
+          </p:cNvCxnSpPr>
+          <p:nvPr/>
+        </p:nvCxnSpPr>
+        <p:spPr>
+          <a:xfrm flipV="1">
+            <a:off x="5858314" y="1731453"/>
+            <a:ext cx="15847" cy="1517038"/>
+          </a:xfrm>
+          <a:prstGeom prst="straightConnector1">
+            <a:avLst/>
+          </a:prstGeom>
+          <a:noFill/>
+          <a:ln w="12700" cap="flat" cmpd="sng">
+            <a:solidFill>
+              <a:schemeClr val="dk2"/>
+            </a:solidFill>
+            <a:prstDash val="solid"/>
+            <a:round/>
+            <a:headEnd type="none" w="med" len="med"/>
+            <a:tailEnd type="triangle" w="med" len="med"/>
+          </a:ln>
+        </p:spPr>
+      </p:cxnSp>
+      <p:sp>
+        <p:nvSpPr>
+          <p:cNvPr id="188" name="文本框 187">
+            <a:extLst>
+              <a:ext uri="{FF2B5EF4-FFF2-40B4-BE49-F238E27FC236}">
+                <a16:creationId xmlns:a16="http://schemas.microsoft.com/office/drawing/2014/main" id="{BEAA9F41-B10C-4034-A5E9-F9B968DC445D}"/>
+              </a:ext>
+            </a:extLst>
+          </p:cNvPr>
+          <p:cNvSpPr txBox="1"/>
+          <p:nvPr/>
+        </p:nvSpPr>
+        <p:spPr>
+          <a:xfrm>
+            <a:off x="5123321" y="1085122"/>
+            <a:ext cx="1501680" cy="646331"/>
+          </a:xfrm>
+          <a:prstGeom prst="rect">
+            <a:avLst/>
+          </a:prstGeom>
+          <a:noFill/>
+        </p:spPr>
+        <p:txBody>
+          <a:bodyPr wrap="square" rtlCol="0">
+            <a:spAutoFit/>
+          </a:bodyPr>
+          <a:lstStyle/>
+          <a:p>
+            <a:pPr algn="ctr"/>
+            <a:r>
+              <a:rPr lang="zh-CN" altLang="en-US" sz="1200" b="1" dirty="0">
+                <a:solidFill>
+                  <a:schemeClr val="bg1">
+                    <a:lumMod val="50000"/>
+                  </a:schemeClr>
+                </a:solidFill>
+                <a:latin typeface="微软雅黑" panose="020B0503020204020204" pitchFamily="34" charset="-122"/>
+                <a:ea typeface="微软雅黑" panose="020B0503020204020204" pitchFamily="34" charset="-122"/>
+              </a:rPr>
+              <a:t>教师模型输出之一</a:t>
+            </a:r>
+            <a:endParaRPr lang="en-US" altLang="zh-CN" sz="1200" b="1" dirty="0">
+              <a:solidFill>
+                <a:schemeClr val="bg1">
+                  <a:lumMod val="50000"/>
+                </a:schemeClr>
+              </a:solidFill>
+              <a:latin typeface="微软雅黑" panose="020B0503020204020204" pitchFamily="34" charset="-122"/>
+              <a:ea typeface="微软雅黑" panose="020B0503020204020204" pitchFamily="34" charset="-122"/>
+            </a:endParaRPr>
+          </a:p>
+          <a:p>
+            <a:pPr algn="ctr"/>
+            <a:r>
+              <a:rPr lang="zh-CN" altLang="en-US" sz="1200" dirty="0">
+                <a:solidFill>
+                  <a:schemeClr val="bg1">
+                    <a:lumMod val="50000"/>
+                  </a:schemeClr>
+                </a:solidFill>
+                <a:latin typeface="微软雅黑" panose="020B0503020204020204" pitchFamily="34" charset="-122"/>
+                <a:ea typeface="微软雅黑" panose="020B0503020204020204" pitchFamily="34" charset="-122"/>
+              </a:rPr>
+              <a:t>后续用于监督</a:t>
+            </a:r>
+            <a:endParaRPr lang="en-US" altLang="zh-CN" sz="1200" dirty="0">
+              <a:solidFill>
+                <a:schemeClr val="bg1">
+                  <a:lumMod val="50000"/>
+                </a:schemeClr>
+              </a:solidFill>
+              <a:latin typeface="微软雅黑" panose="020B0503020204020204" pitchFamily="34" charset="-122"/>
+              <a:ea typeface="微软雅黑" panose="020B0503020204020204" pitchFamily="34" charset="-122"/>
+            </a:endParaRPr>
+          </a:p>
+          <a:p>
+            <a:pPr algn="ctr"/>
+            <a:r>
+              <a:rPr lang="zh-CN" altLang="en-US" sz="1200" dirty="0">
+                <a:solidFill>
+                  <a:schemeClr val="bg1">
+                    <a:lumMod val="50000"/>
+                  </a:schemeClr>
+                </a:solidFill>
+                <a:latin typeface="微软雅黑" panose="020B0503020204020204" pitchFamily="34" charset="-122"/>
+                <a:ea typeface="微软雅黑" panose="020B0503020204020204" pitchFamily="34" charset="-122"/>
+              </a:rPr>
+              <a:t>学生模型训练</a:t>
+            </a:r>
+          </a:p>
+        </p:txBody>
+      </p:sp>
+      <p:sp>
+        <p:nvSpPr>
+          <p:cNvPr id="189" name="矩形: 圆角 188">
+            <a:extLst>
+              <a:ext uri="{FF2B5EF4-FFF2-40B4-BE49-F238E27FC236}">
+                <a16:creationId xmlns:a16="http://schemas.microsoft.com/office/drawing/2014/main" id="{0733F8D1-EBBA-476B-A407-E45D8799FE09}"/>
+              </a:ext>
+            </a:extLst>
+          </p:cNvPr>
+          <p:cNvSpPr/>
+          <p:nvPr/>
+        </p:nvSpPr>
+        <p:spPr>
+          <a:xfrm>
+            <a:off x="401749" y="1877985"/>
+            <a:ext cx="11639810" cy="3542629"/>
+          </a:xfrm>
+          <a:prstGeom prst="roundRect">
+            <a:avLst/>
+          </a:prstGeom>
+          <a:noFill/>
+          <a:ln w="19050">
+            <a:solidFill>
+              <a:schemeClr val="accent2">
+                <a:lumMod val="60000"/>
+                <a:lumOff val="40000"/>
+              </a:schemeClr>
+            </a:solidFill>
+            <a:prstDash val="sysDash"/>
+          </a:ln>
+        </p:spPr>
+        <p:style>
+          <a:lnRef idx="2">
+            <a:schemeClr val="accent1">
+              <a:shade val="15000"/>
+            </a:schemeClr>
+          </a:lnRef>
+          <a:fillRef idx="1">
+            <a:schemeClr val="accent1"/>
+          </a:fillRef>
+          <a:effectRef idx="0">
+            <a:schemeClr val="accent1"/>
+          </a:effectRef>
+          <a:fontRef idx="minor">
+            <a:schemeClr val="lt1"/>
+          </a:fontRef>
+        </p:style>
+        <p:txBody>
+          <a:bodyPr rtlCol="0" anchor="ctr"/>
+          <a:lstStyle/>
+          <a:p>
+            <a:pPr algn="ctr"/>
+            <a:endParaRPr lang="zh-CN" altLang="en-US"/>
+          </a:p>
+        </p:txBody>
+      </p:sp>
+      <p:sp>
+        <p:nvSpPr>
+          <p:cNvPr id="191" name="文本框 190">
+            <a:extLst>
+              <a:ext uri="{FF2B5EF4-FFF2-40B4-BE49-F238E27FC236}">
+                <a16:creationId xmlns:a16="http://schemas.microsoft.com/office/drawing/2014/main" id="{870EC360-5D27-48F2-9E85-D313BA48A98C}"/>
+              </a:ext>
+            </a:extLst>
+          </p:cNvPr>
+          <p:cNvSpPr txBox="1"/>
+          <p:nvPr/>
+        </p:nvSpPr>
+        <p:spPr>
+          <a:xfrm>
+            <a:off x="5190113" y="5404427"/>
+            <a:ext cx="2666051" cy="369332"/>
+          </a:xfrm>
+          <a:prstGeom prst="rect">
+            <a:avLst/>
+          </a:prstGeom>
+          <a:noFill/>
+        </p:spPr>
+        <p:txBody>
+          <a:bodyPr wrap="none" rtlCol="0">
+            <a:spAutoFit/>
+          </a:bodyPr>
+          <a:lstStyle/>
+          <a:p>
+            <a:r>
+              <a:rPr lang="zh-CN" altLang="en-US" dirty="0">
+                <a:solidFill>
+                  <a:schemeClr val="accent2"/>
+                </a:solidFill>
+                <a:latin typeface="微软雅黑" panose="020B0503020204020204" pitchFamily="34" charset="-122"/>
+                <a:ea typeface="微软雅黑" panose="020B0503020204020204" pitchFamily="34" charset="-122"/>
+              </a:rPr>
+              <a:t>教师模型</a:t>
+            </a:r>
+            <a:r>
+              <a:rPr lang="en-US" altLang="zh-CN" dirty="0" err="1">
+                <a:solidFill>
+                  <a:schemeClr val="accent2"/>
+                </a:solidFill>
+                <a:latin typeface="微软雅黑" panose="020B0503020204020204" pitchFamily="34" charset="-122"/>
+                <a:ea typeface="微软雅黑" panose="020B0503020204020204" pitchFamily="34" charset="-122"/>
+              </a:rPr>
+              <a:t>TeacherModel</a:t>
+            </a:r>
+            <a:endParaRPr lang="zh-CN" altLang="en-US" dirty="0">
+              <a:solidFill>
+                <a:schemeClr val="accent2"/>
+              </a:solidFill>
+              <a:latin typeface="微软雅黑" panose="020B0503020204020204" pitchFamily="34" charset="-122"/>
+              <a:ea typeface="微软雅黑" panose="020B0503020204020204" pitchFamily="34" charset="-122"/>
+            </a:endParaRPr>
+          </a:p>
+        </p:txBody>
+      </p:sp>
+      <p:cxnSp>
+        <p:nvCxnSpPr>
+          <p:cNvPr id="197" name="Google Shape;395;p22">
+            <a:extLst>
+              <a:ext uri="{FF2B5EF4-FFF2-40B4-BE49-F238E27FC236}">
+                <a16:creationId xmlns:a16="http://schemas.microsoft.com/office/drawing/2014/main" id="{F0A41E8C-8ED5-434E-88EA-8EBE596E885B}"/>
+              </a:ext>
+            </a:extLst>
+          </p:cNvPr>
+          <p:cNvCxnSpPr>
+            <a:cxnSpLocks/>
+            <a:stCxn id="177" idx="0"/>
+            <a:endCxn id="201" idx="2"/>
+          </p:cNvCxnSpPr>
+          <p:nvPr/>
+        </p:nvCxnSpPr>
+        <p:spPr>
+          <a:xfrm flipH="1" flipV="1">
+            <a:off x="8968507" y="3493204"/>
+            <a:ext cx="6311" cy="633783"/>
+          </a:xfrm>
+          <a:prstGeom prst="straightConnector1">
+            <a:avLst/>
+          </a:prstGeom>
+          <a:noFill/>
+          <a:ln w="12700" cap="flat" cmpd="sng">
+            <a:solidFill>
+              <a:schemeClr val="dk2"/>
+            </a:solidFill>
+            <a:prstDash val="solid"/>
+            <a:round/>
+            <a:headEnd type="none" w="med" len="med"/>
+            <a:tailEnd type="triangle" w="med" len="med"/>
+          </a:ln>
+        </p:spPr>
+      </p:cxnSp>
+      <p:sp>
+        <p:nvSpPr>
+          <p:cNvPr id="201" name="Google Shape;379;p22">
+            <a:extLst>
+              <a:ext uri="{FF2B5EF4-FFF2-40B4-BE49-F238E27FC236}">
+                <a16:creationId xmlns:a16="http://schemas.microsoft.com/office/drawing/2014/main" id="{5F820BA2-1B1B-4758-BA20-28B9B2933D30}"/>
+              </a:ext>
+            </a:extLst>
+          </p:cNvPr>
+          <p:cNvSpPr/>
+          <p:nvPr/>
+        </p:nvSpPr>
+        <p:spPr>
+          <a:xfrm>
+            <a:off x="8523764" y="2952000"/>
+            <a:ext cx="889485" cy="541204"/>
+          </a:xfrm>
+          <a:prstGeom prst="roundRect">
+            <a:avLst>
+              <a:gd name="adj" fmla="val 28518"/>
+            </a:avLst>
+          </a:prstGeom>
+          <a:gradFill>
+            <a:gsLst>
+              <a:gs pos="100000">
+                <a:schemeClr val="accent2">
+                  <a:lumMod val="40000"/>
+                  <a:lumOff val="60000"/>
+                </a:schemeClr>
+              </a:gs>
+              <a:gs pos="0">
+                <a:schemeClr val="accent5">
+                  <a:lumMod val="40000"/>
+                  <a:lumOff val="60000"/>
+                </a:schemeClr>
+              </a:gs>
+            </a:gsLst>
+            <a:lin ang="13500032" scaled="0"/>
+          </a:gradFill>
+          <a:ln w="19050" cap="flat" cmpd="sng">
+            <a:solidFill>
+              <a:srgbClr val="999999"/>
+            </a:solidFill>
+            <a:prstDash val="solid"/>
+            <a:round/>
+            <a:headEnd type="none" w="sm" len="sm"/>
+            <a:tailEnd type="none" w="sm" len="sm"/>
+          </a:ln>
+        </p:spPr>
+        <p:txBody>
+          <a:bodyPr spcFirstLastPara="1" wrap="square" lIns="91425" tIns="91425" rIns="91425" bIns="91425" anchor="ctr" anchorCtr="0">
+            <a:noAutofit/>
+          </a:bodyPr>
+          <a:lstStyle/>
+          <a:p>
+            <a:pPr marL="0" lvl="0" indent="0" algn="ctr" rtl="0">
+              <a:spcBef>
+                <a:spcPts val="0"/>
+              </a:spcBef>
+              <a:spcAft>
+                <a:spcPts val="0"/>
+              </a:spcAft>
+              <a:buNone/>
+            </a:pPr>
+            <a:r>
+              <a:rPr lang="en-US" altLang="zh-CN" sz="1200" b="1" dirty="0"/>
+              <a:t>Decoder</a:t>
+            </a:r>
+          </a:p>
+          <a:p>
+            <a:pPr marL="0" lvl="0" indent="0" algn="ctr" rtl="0">
+              <a:spcBef>
+                <a:spcPts val="0"/>
+              </a:spcBef>
+              <a:spcAft>
+                <a:spcPts val="0"/>
+              </a:spcAft>
+              <a:buNone/>
+            </a:pPr>
+            <a:r>
+              <a:rPr lang="zh-CN" altLang="en-US" sz="1200" b="1" dirty="0"/>
+              <a:t>输出特征</a:t>
+            </a:r>
+            <a:endParaRPr sz="1200" b="1" dirty="0"/>
+          </a:p>
+        </p:txBody>
+      </p:sp>
+      <p:sp>
+        <p:nvSpPr>
+          <p:cNvPr id="204" name="文本框 203">
+            <a:extLst>
+              <a:ext uri="{FF2B5EF4-FFF2-40B4-BE49-F238E27FC236}">
+                <a16:creationId xmlns:a16="http://schemas.microsoft.com/office/drawing/2014/main" id="{7566E3F3-FB59-4C89-8B8D-62B5AD330354}"/>
+              </a:ext>
+            </a:extLst>
+          </p:cNvPr>
+          <p:cNvSpPr txBox="1"/>
+          <p:nvPr/>
+        </p:nvSpPr>
+        <p:spPr>
+          <a:xfrm>
+            <a:off x="8214219" y="1149631"/>
+            <a:ext cx="1501680" cy="646331"/>
+          </a:xfrm>
+          <a:prstGeom prst="rect">
+            <a:avLst/>
+          </a:prstGeom>
+          <a:noFill/>
+        </p:spPr>
+        <p:txBody>
+          <a:bodyPr wrap="square" rtlCol="0">
+            <a:spAutoFit/>
+          </a:bodyPr>
+          <a:lstStyle/>
+          <a:p>
+            <a:pPr algn="ctr"/>
+            <a:r>
+              <a:rPr lang="zh-CN" altLang="en-US" sz="1200" b="1" dirty="0">
+                <a:solidFill>
+                  <a:schemeClr val="bg1">
+                    <a:lumMod val="50000"/>
+                  </a:schemeClr>
+                </a:solidFill>
+                <a:latin typeface="微软雅黑" panose="020B0503020204020204" pitchFamily="34" charset="-122"/>
+                <a:ea typeface="微软雅黑" panose="020B0503020204020204" pitchFamily="34" charset="-122"/>
+              </a:rPr>
+              <a:t>教师模型输出之一</a:t>
+            </a:r>
+            <a:endParaRPr lang="en-US" altLang="zh-CN" sz="1200" b="1" dirty="0">
+              <a:solidFill>
+                <a:schemeClr val="bg1">
+                  <a:lumMod val="50000"/>
+                </a:schemeClr>
+              </a:solidFill>
+              <a:latin typeface="微软雅黑" panose="020B0503020204020204" pitchFamily="34" charset="-122"/>
+              <a:ea typeface="微软雅黑" panose="020B0503020204020204" pitchFamily="34" charset="-122"/>
+            </a:endParaRPr>
+          </a:p>
+          <a:p>
+            <a:pPr algn="ctr"/>
+            <a:r>
+              <a:rPr lang="zh-CN" altLang="en-US" sz="1200" dirty="0">
+                <a:solidFill>
+                  <a:schemeClr val="bg1">
+                    <a:lumMod val="50000"/>
+                  </a:schemeClr>
+                </a:solidFill>
+                <a:latin typeface="微软雅黑" panose="020B0503020204020204" pitchFamily="34" charset="-122"/>
+                <a:ea typeface="微软雅黑" panose="020B0503020204020204" pitchFamily="34" charset="-122"/>
+              </a:rPr>
+              <a:t>后续用于监督</a:t>
+            </a:r>
+            <a:endParaRPr lang="en-US" altLang="zh-CN" sz="1200" dirty="0">
+              <a:solidFill>
+                <a:schemeClr val="bg1">
+                  <a:lumMod val="50000"/>
+                </a:schemeClr>
+              </a:solidFill>
+              <a:latin typeface="微软雅黑" panose="020B0503020204020204" pitchFamily="34" charset="-122"/>
+              <a:ea typeface="微软雅黑" panose="020B0503020204020204" pitchFamily="34" charset="-122"/>
+            </a:endParaRPr>
+          </a:p>
+          <a:p>
+            <a:pPr algn="ctr"/>
+            <a:r>
+              <a:rPr lang="zh-CN" altLang="en-US" sz="1200" dirty="0">
+                <a:solidFill>
+                  <a:schemeClr val="bg1">
+                    <a:lumMod val="50000"/>
+                  </a:schemeClr>
+                </a:solidFill>
+                <a:latin typeface="微软雅黑" panose="020B0503020204020204" pitchFamily="34" charset="-122"/>
+                <a:ea typeface="微软雅黑" panose="020B0503020204020204" pitchFamily="34" charset="-122"/>
+              </a:rPr>
+              <a:t>学生模型训练</a:t>
+            </a:r>
+          </a:p>
+        </p:txBody>
+      </p:sp>
+      <p:cxnSp>
+        <p:nvCxnSpPr>
+          <p:cNvPr id="206" name="Google Shape;395;p22">
+            <a:extLst>
+              <a:ext uri="{FF2B5EF4-FFF2-40B4-BE49-F238E27FC236}">
+                <a16:creationId xmlns:a16="http://schemas.microsoft.com/office/drawing/2014/main" id="{26855D40-E45F-4505-AC38-96F1C9B3F09B}"/>
+              </a:ext>
+            </a:extLst>
+          </p:cNvPr>
+          <p:cNvCxnSpPr>
+            <a:cxnSpLocks/>
+            <a:stCxn id="201" idx="0"/>
+            <a:endCxn id="204" idx="2"/>
+          </p:cNvCxnSpPr>
+          <p:nvPr/>
+        </p:nvCxnSpPr>
+        <p:spPr>
+          <a:xfrm flipH="1" flipV="1">
+            <a:off x="8965059" y="1795962"/>
+            <a:ext cx="3448" cy="1156038"/>
+          </a:xfrm>
+          <a:prstGeom prst="straightConnector1">
+            <a:avLst/>
+          </a:prstGeom>
+          <a:noFill/>
+          <a:ln w="12700" cap="flat" cmpd="sng">
+            <a:solidFill>
+              <a:schemeClr val="dk2"/>
+            </a:solidFill>
+            <a:prstDash val="solid"/>
+            <a:round/>
+            <a:headEnd type="none" w="med" len="med"/>
+            <a:tailEnd type="triangle" w="med" len="med"/>
+          </a:ln>
+        </p:spPr>
+      </p:cxnSp>
+      <p:cxnSp>
+        <p:nvCxnSpPr>
+          <p:cNvPr id="211" name="Google Shape;395;p22">
+            <a:extLst>
+              <a:ext uri="{FF2B5EF4-FFF2-40B4-BE49-F238E27FC236}">
+                <a16:creationId xmlns:a16="http://schemas.microsoft.com/office/drawing/2014/main" id="{FE9DDCB7-420C-4F2D-9995-6AC00F9CC664}"/>
+              </a:ext>
+            </a:extLst>
+          </p:cNvPr>
+          <p:cNvCxnSpPr>
+            <a:cxnSpLocks/>
+            <a:stCxn id="177" idx="3"/>
+            <a:endCxn id="214" idx="1"/>
+          </p:cNvCxnSpPr>
+          <p:nvPr/>
+        </p:nvCxnSpPr>
+        <p:spPr>
+          <a:xfrm>
+            <a:off x="9777350" y="4472353"/>
+            <a:ext cx="249333" cy="6415"/>
+          </a:xfrm>
+          <a:prstGeom prst="straightConnector1">
+            <a:avLst/>
+          </a:prstGeom>
+          <a:noFill/>
+          <a:ln w="12700" cap="flat" cmpd="sng">
+            <a:solidFill>
+              <a:schemeClr val="dk2"/>
+            </a:solidFill>
+            <a:prstDash val="solid"/>
+            <a:round/>
+            <a:headEnd type="none" w="med" len="med"/>
+            <a:tailEnd type="triangle" w="med" len="med"/>
+          </a:ln>
+        </p:spPr>
+      </p:cxnSp>
+      <p:sp>
+        <p:nvSpPr>
+          <p:cNvPr id="214" name="Google Shape;357;p22">
+            <a:extLst>
+              <a:ext uri="{FF2B5EF4-FFF2-40B4-BE49-F238E27FC236}">
+                <a16:creationId xmlns:a16="http://schemas.microsoft.com/office/drawing/2014/main" id="{BA90FAF4-FE5E-4FCE-9269-76531E6B8917}"/>
+              </a:ext>
+            </a:extLst>
+          </p:cNvPr>
+          <p:cNvSpPr/>
+          <p:nvPr/>
+        </p:nvSpPr>
+        <p:spPr>
+          <a:xfrm>
+            <a:off x="10026683" y="3989484"/>
+            <a:ext cx="1530080" cy="978568"/>
+          </a:xfrm>
+          <a:prstGeom prst="roundRect">
+            <a:avLst>
+              <a:gd name="adj" fmla="val 28518"/>
+            </a:avLst>
+          </a:prstGeom>
+          <a:gradFill>
+            <a:gsLst>
+              <a:gs pos="0">
+                <a:schemeClr val="accent3">
+                  <a:lumMod val="20000"/>
+                  <a:lumOff val="80000"/>
+                </a:schemeClr>
+              </a:gs>
+              <a:gs pos="100000">
+                <a:schemeClr val="accent3">
+                  <a:lumMod val="60000"/>
+                  <a:lumOff val="40000"/>
+                </a:schemeClr>
+              </a:gs>
+            </a:gsLst>
+            <a:lin ang="13500032" scaled="0"/>
+          </a:gradFill>
+          <a:ln w="19050" cap="flat" cmpd="sng">
+            <a:solidFill>
+              <a:srgbClr val="999999"/>
+            </a:solidFill>
+            <a:prstDash val="solid"/>
+            <a:round/>
+            <a:headEnd type="none" w="sm" len="sm"/>
+            <a:tailEnd type="none" w="sm" len="sm"/>
+          </a:ln>
+        </p:spPr>
+        <p:txBody>
+          <a:bodyPr spcFirstLastPara="1" wrap="square" lIns="91425" tIns="91425" rIns="91425" bIns="91425" anchor="ctr" anchorCtr="0">
+            <a:noAutofit/>
+          </a:bodyPr>
+          <a:lstStyle/>
+          <a:p>
+            <a:pPr marL="0" lvl="0" indent="0" algn="ctr" rtl="0">
+              <a:spcBef>
+                <a:spcPts val="0"/>
+              </a:spcBef>
+              <a:spcAft>
+                <a:spcPts val="0"/>
+              </a:spcAft>
+              <a:buNone/>
+            </a:pPr>
+            <a:r>
+              <a:rPr lang="en-US" altLang="zh-CN" sz="1200" b="1" dirty="0" err="1">
+                <a:latin typeface="Arial" panose="020B0604020202020204" pitchFamily="34" charset="0"/>
+                <a:cs typeface="Arial" panose="020B0604020202020204" pitchFamily="34" charset="0"/>
+              </a:rPr>
+              <a:t>BacthNorm</a:t>
+            </a:r>
+            <a:endParaRPr lang="en-US" altLang="zh-CN" sz="1200" b="1" dirty="0">
+              <a:latin typeface="Arial" panose="020B0604020202020204" pitchFamily="34" charset="0"/>
+              <a:cs typeface="Arial" panose="020B0604020202020204" pitchFamily="34" charset="0"/>
+            </a:endParaRPr>
+          </a:p>
+          <a:p>
+            <a:pPr marL="0" lvl="0" indent="0" algn="ctr" rtl="0">
+              <a:spcBef>
+                <a:spcPts val="0"/>
+              </a:spcBef>
+              <a:spcAft>
+                <a:spcPts val="0"/>
+              </a:spcAft>
+              <a:buNone/>
+            </a:pPr>
+            <a:r>
+              <a:rPr lang="en-US" altLang="zh-CN" sz="1200" b="1" dirty="0">
+                <a:latin typeface="Arial" panose="020B0604020202020204" pitchFamily="34" charset="0"/>
+                <a:cs typeface="Arial" panose="020B0604020202020204" pitchFamily="34" charset="0"/>
+              </a:rPr>
+              <a:t>+</a:t>
+            </a:r>
+          </a:p>
+          <a:p>
+            <a:pPr marL="0" lvl="0" indent="0" algn="ctr" rtl="0">
+              <a:spcBef>
+                <a:spcPts val="0"/>
+              </a:spcBef>
+              <a:spcAft>
+                <a:spcPts val="0"/>
+              </a:spcAft>
+              <a:buNone/>
+            </a:pPr>
+            <a:r>
+              <a:rPr lang="en-US" altLang="zh-CN" sz="1200" b="1" dirty="0" err="1">
+                <a:latin typeface="Arial" panose="020B0604020202020204" pitchFamily="34" charset="0"/>
+                <a:cs typeface="Arial" panose="020B0604020202020204" pitchFamily="34" charset="0"/>
+              </a:rPr>
+              <a:t>LeakyRelu</a:t>
+            </a:r>
+            <a:endParaRPr lang="en-US" altLang="zh-CN" sz="1200" b="1" dirty="0">
+              <a:latin typeface="Arial" panose="020B0604020202020204" pitchFamily="34" charset="0"/>
+              <a:cs typeface="Arial" panose="020B0604020202020204" pitchFamily="34" charset="0"/>
+            </a:endParaRPr>
+          </a:p>
+          <a:p>
+            <a:pPr marL="0" lvl="0" indent="0" algn="ctr" rtl="0">
+              <a:spcBef>
+                <a:spcPts val="0"/>
+              </a:spcBef>
+              <a:spcAft>
+                <a:spcPts val="0"/>
+              </a:spcAft>
+              <a:buNone/>
+            </a:pPr>
+            <a:r>
+              <a:rPr lang="en-US" altLang="zh-CN" sz="1200" b="1" dirty="0">
+                <a:latin typeface="Arial" panose="020B0604020202020204" pitchFamily="34" charset="0"/>
+                <a:cs typeface="Arial" panose="020B0604020202020204" pitchFamily="34" charset="0"/>
+              </a:rPr>
+              <a:t>+</a:t>
+            </a:r>
+          </a:p>
+          <a:p>
+            <a:pPr marL="0" lvl="0" indent="0" algn="ctr" rtl="0">
+              <a:spcBef>
+                <a:spcPts val="0"/>
+              </a:spcBef>
+              <a:spcAft>
+                <a:spcPts val="0"/>
+              </a:spcAft>
+              <a:buNone/>
+            </a:pPr>
+            <a:r>
+              <a:rPr lang="en-US" altLang="zh-CN" sz="1200" b="1" dirty="0">
+                <a:latin typeface="Arial" panose="020B0604020202020204" pitchFamily="34" charset="0"/>
+                <a:cs typeface="Arial" panose="020B0604020202020204" pitchFamily="34" charset="0"/>
+              </a:rPr>
+              <a:t>Linear</a:t>
+            </a:r>
+            <a:endParaRPr sz="1200" b="1" dirty="0">
+              <a:latin typeface="Arial" panose="020B0604020202020204" pitchFamily="34" charset="0"/>
+              <a:cs typeface="Arial" panose="020B0604020202020204" pitchFamily="34" charset="0"/>
+            </a:endParaRPr>
+          </a:p>
+        </p:txBody>
+      </p:sp>
+      <p:cxnSp>
+        <p:nvCxnSpPr>
+          <p:cNvPr id="228" name="Google Shape;395;p22">
+            <a:extLst>
+              <a:ext uri="{FF2B5EF4-FFF2-40B4-BE49-F238E27FC236}">
+                <a16:creationId xmlns:a16="http://schemas.microsoft.com/office/drawing/2014/main" id="{DDCD57A7-1AB8-4AA6-A5AA-8FF43E085C89}"/>
+              </a:ext>
+            </a:extLst>
+          </p:cNvPr>
+          <p:cNvCxnSpPr>
+            <a:cxnSpLocks/>
+            <a:stCxn id="214" idx="0"/>
+            <a:endCxn id="231" idx="2"/>
+          </p:cNvCxnSpPr>
+          <p:nvPr/>
+        </p:nvCxnSpPr>
+        <p:spPr>
+          <a:xfrm flipH="1" flipV="1">
+            <a:off x="10786961" y="3409720"/>
+            <a:ext cx="4762" cy="579764"/>
+          </a:xfrm>
+          <a:prstGeom prst="straightConnector1">
+            <a:avLst/>
+          </a:prstGeom>
+          <a:noFill/>
+          <a:ln w="12700" cap="flat" cmpd="sng">
+            <a:solidFill>
+              <a:schemeClr val="dk2"/>
+            </a:solidFill>
+            <a:prstDash val="solid"/>
+            <a:round/>
+            <a:headEnd type="none" w="med" len="med"/>
+            <a:tailEnd type="triangle" w="med" len="med"/>
+          </a:ln>
+        </p:spPr>
+      </p:cxnSp>
+      <p:sp>
+        <p:nvSpPr>
+          <p:cNvPr id="231" name="Google Shape;379;p22">
+            <a:extLst>
+              <a:ext uri="{FF2B5EF4-FFF2-40B4-BE49-F238E27FC236}">
+                <a16:creationId xmlns:a16="http://schemas.microsoft.com/office/drawing/2014/main" id="{13E5B326-55B9-4B42-AAAC-51728B3DE0D3}"/>
+              </a:ext>
+            </a:extLst>
+          </p:cNvPr>
+          <p:cNvSpPr/>
+          <p:nvPr/>
+        </p:nvSpPr>
+        <p:spPr>
+          <a:xfrm>
+            <a:off x="10275463" y="2868516"/>
+            <a:ext cx="1022996" cy="541204"/>
+          </a:xfrm>
+          <a:prstGeom prst="roundRect">
+            <a:avLst>
+              <a:gd name="adj" fmla="val 28518"/>
+            </a:avLst>
+          </a:prstGeom>
+          <a:gradFill>
+            <a:gsLst>
+              <a:gs pos="100000">
+                <a:schemeClr val="accent2">
+                  <a:lumMod val="40000"/>
+                  <a:lumOff val="60000"/>
+                </a:schemeClr>
+              </a:gs>
+              <a:gs pos="0">
+                <a:schemeClr val="accent5">
+                  <a:lumMod val="40000"/>
+                  <a:lumOff val="60000"/>
+                </a:schemeClr>
+              </a:gs>
+            </a:gsLst>
+            <a:lin ang="13500032" scaled="0"/>
+          </a:gradFill>
+          <a:ln w="19050" cap="flat" cmpd="sng">
+            <a:solidFill>
+              <a:srgbClr val="999999"/>
+            </a:solidFill>
+            <a:prstDash val="solid"/>
+            <a:round/>
+            <a:headEnd type="none" w="sm" len="sm"/>
+            <a:tailEnd type="none" w="sm" len="sm"/>
+          </a:ln>
+        </p:spPr>
+        <p:txBody>
+          <a:bodyPr spcFirstLastPara="1" wrap="square" lIns="91425" tIns="91425" rIns="91425" bIns="91425" anchor="ctr" anchorCtr="0">
+            <a:noAutofit/>
+          </a:bodyPr>
+          <a:lstStyle/>
+          <a:p>
+            <a:pPr marL="0" lvl="0" indent="0" algn="ctr" rtl="0">
+              <a:spcBef>
+                <a:spcPts val="0"/>
+              </a:spcBef>
+              <a:spcAft>
+                <a:spcPts val="0"/>
+              </a:spcAft>
+              <a:buNone/>
+            </a:pPr>
+            <a:r>
+              <a:rPr lang="en-US" sz="1200" b="1" dirty="0"/>
+              <a:t>HIC</a:t>
+            </a:r>
+            <a:r>
+              <a:rPr lang="en-US" altLang="zh-CN" sz="1200" b="1" dirty="0"/>
+              <a:t>(</a:t>
+            </a:r>
+            <a:r>
+              <a:rPr lang="zh-CN" altLang="en-US" sz="1200" b="1" dirty="0"/>
+              <a:t>标量</a:t>
+            </a:r>
+            <a:r>
+              <a:rPr lang="en-US" altLang="zh-CN" sz="1200" b="1" dirty="0"/>
+              <a:t>)</a:t>
+            </a:r>
+            <a:endParaRPr lang="en-US" sz="1200" b="1" dirty="0"/>
+          </a:p>
+          <a:p>
+            <a:pPr marL="0" lvl="0" indent="0" algn="ctr" rtl="0">
+              <a:spcBef>
+                <a:spcPts val="0"/>
+              </a:spcBef>
+              <a:spcAft>
+                <a:spcPts val="0"/>
+              </a:spcAft>
+              <a:buNone/>
+            </a:pPr>
+            <a:r>
+              <a:rPr lang="zh-CN" altLang="en-US" sz="1200" b="1" dirty="0"/>
+              <a:t>预测值</a:t>
+            </a:r>
+            <a:endParaRPr sz="1200" b="1" dirty="0"/>
+          </a:p>
+        </p:txBody>
+      </p:sp>
+      <p:cxnSp>
+        <p:nvCxnSpPr>
+          <p:cNvPr id="236" name="Google Shape;395;p22">
+            <a:extLst>
+              <a:ext uri="{FF2B5EF4-FFF2-40B4-BE49-F238E27FC236}">
+                <a16:creationId xmlns:a16="http://schemas.microsoft.com/office/drawing/2014/main" id="{681FB404-212A-46AC-A503-9A2B3078F734}"/>
+              </a:ext>
+            </a:extLst>
+          </p:cNvPr>
+          <p:cNvCxnSpPr>
+            <a:cxnSpLocks/>
+            <a:stCxn id="231" idx="0"/>
+            <a:endCxn id="238" idx="2"/>
+          </p:cNvCxnSpPr>
+          <p:nvPr/>
+        </p:nvCxnSpPr>
+        <p:spPr>
+          <a:xfrm flipH="1" flipV="1">
+            <a:off x="10779904" y="1709506"/>
+            <a:ext cx="7057" cy="1159010"/>
+          </a:xfrm>
+          <a:prstGeom prst="straightConnector1">
+            <a:avLst/>
+          </a:prstGeom>
+          <a:noFill/>
+          <a:ln w="12700" cap="flat" cmpd="sng">
+            <a:solidFill>
+              <a:schemeClr val="dk2"/>
+            </a:solidFill>
+            <a:prstDash val="solid"/>
+            <a:round/>
+            <a:headEnd type="none" w="med" len="med"/>
+            <a:tailEnd type="triangle" w="med" len="med"/>
+          </a:ln>
+        </p:spPr>
+      </p:cxnSp>
+      <p:sp>
+        <p:nvSpPr>
+          <p:cNvPr id="238" name="文本框 237">
+            <a:extLst>
+              <a:ext uri="{FF2B5EF4-FFF2-40B4-BE49-F238E27FC236}">
+                <a16:creationId xmlns:a16="http://schemas.microsoft.com/office/drawing/2014/main" id="{34BBFF0C-8FDD-4E95-B172-88D34465A4EB}"/>
+              </a:ext>
+            </a:extLst>
+          </p:cNvPr>
+          <p:cNvSpPr txBox="1"/>
+          <p:nvPr/>
+        </p:nvSpPr>
+        <p:spPr>
+          <a:xfrm>
+            <a:off x="10029064" y="1432507"/>
+            <a:ext cx="1501680" cy="276999"/>
+          </a:xfrm>
+          <a:prstGeom prst="rect">
+            <a:avLst/>
+          </a:prstGeom>
+          <a:noFill/>
+        </p:spPr>
+        <p:txBody>
+          <a:bodyPr wrap="square" rtlCol="0">
+            <a:spAutoFit/>
+          </a:bodyPr>
+          <a:lstStyle/>
+          <a:p>
+            <a:pPr algn="ctr"/>
+            <a:r>
+              <a:rPr lang="zh-CN" altLang="en-US" sz="1200" b="1" dirty="0">
+                <a:solidFill>
+                  <a:schemeClr val="bg1">
+                    <a:lumMod val="50000"/>
+                  </a:schemeClr>
+                </a:solidFill>
+                <a:latin typeface="微软雅黑" panose="020B0503020204020204" pitchFamily="34" charset="-122"/>
+                <a:ea typeface="微软雅黑" panose="020B0503020204020204" pitchFamily="34" charset="-122"/>
+              </a:rPr>
+              <a:t>教师模型主要输出</a:t>
+            </a:r>
+          </a:p>
+        </p:txBody>
+      </p:sp>
+      <p:sp>
+        <p:nvSpPr>
+          <p:cNvPr id="244" name="Google Shape;357;p22">
+            <a:extLst>
+              <a:ext uri="{FF2B5EF4-FFF2-40B4-BE49-F238E27FC236}">
+                <a16:creationId xmlns:a16="http://schemas.microsoft.com/office/drawing/2014/main" id="{684BFEF5-E7E5-4458-8229-C1CABF92D931}"/>
+              </a:ext>
+            </a:extLst>
+          </p:cNvPr>
+          <p:cNvSpPr/>
+          <p:nvPr/>
+        </p:nvSpPr>
+        <p:spPr>
+          <a:xfrm>
+            <a:off x="6368583" y="4119389"/>
+            <a:ext cx="1530080" cy="690732"/>
+          </a:xfrm>
+          <a:prstGeom prst="roundRect">
+            <a:avLst>
+              <a:gd name="adj" fmla="val 28518"/>
+            </a:avLst>
+          </a:prstGeom>
+          <a:gradFill>
+            <a:gsLst>
+              <a:gs pos="0">
+                <a:schemeClr val="accent3">
+                  <a:lumMod val="20000"/>
+                  <a:lumOff val="80000"/>
+                </a:schemeClr>
+              </a:gs>
+              <a:gs pos="100000">
+                <a:schemeClr val="accent3">
+                  <a:lumMod val="60000"/>
+                  <a:lumOff val="40000"/>
+                </a:schemeClr>
+              </a:gs>
+            </a:gsLst>
+            <a:lin ang="13500032" scaled="0"/>
+          </a:gradFill>
+          <a:ln w="19050" cap="flat" cmpd="sng">
+            <a:solidFill>
+              <a:srgbClr val="999999"/>
+            </a:solidFill>
+            <a:prstDash val="solid"/>
+            <a:round/>
+            <a:headEnd type="none" w="sm" len="sm"/>
+            <a:tailEnd type="none" w="sm" len="sm"/>
+          </a:ln>
+        </p:spPr>
+        <p:txBody>
+          <a:bodyPr spcFirstLastPara="1" wrap="square" lIns="91425" tIns="91425" rIns="91425" bIns="91425" anchor="ctr" anchorCtr="0">
+            <a:noAutofit/>
+          </a:bodyPr>
+          <a:lstStyle/>
+          <a:p>
+            <a:pPr marL="0" lvl="0" indent="0" algn="ctr" rtl="0">
+              <a:spcBef>
+                <a:spcPts val="0"/>
+              </a:spcBef>
+              <a:spcAft>
+                <a:spcPts val="0"/>
+              </a:spcAft>
+              <a:buNone/>
+            </a:pPr>
+            <a:r>
+              <a:rPr lang="en-US" altLang="zh-CN" sz="1200" b="1" dirty="0" err="1">
+                <a:latin typeface="Arial" panose="020B0604020202020204" pitchFamily="34" charset="0"/>
+                <a:cs typeface="Arial" panose="020B0604020202020204" pitchFamily="34" charset="0"/>
+              </a:rPr>
+              <a:t>BacthNorm</a:t>
+            </a:r>
+            <a:endParaRPr lang="en-US" altLang="zh-CN" sz="1200" b="1" dirty="0">
+              <a:latin typeface="Arial" panose="020B0604020202020204" pitchFamily="34" charset="0"/>
+              <a:cs typeface="Arial" panose="020B0604020202020204" pitchFamily="34" charset="0"/>
+            </a:endParaRPr>
+          </a:p>
+          <a:p>
+            <a:pPr marL="0" lvl="0" indent="0" algn="ctr" rtl="0">
+              <a:spcBef>
+                <a:spcPts val="0"/>
+              </a:spcBef>
+              <a:spcAft>
+                <a:spcPts val="0"/>
+              </a:spcAft>
+              <a:buNone/>
+            </a:pPr>
+            <a:r>
+              <a:rPr lang="en-US" altLang="zh-CN" sz="1200" b="1" dirty="0">
+                <a:latin typeface="Arial" panose="020B0604020202020204" pitchFamily="34" charset="0"/>
+                <a:cs typeface="Arial" panose="020B0604020202020204" pitchFamily="34" charset="0"/>
+              </a:rPr>
+              <a:t>+</a:t>
+            </a:r>
+          </a:p>
+          <a:p>
+            <a:pPr marL="0" lvl="0" indent="0" algn="ctr" rtl="0">
+              <a:spcBef>
+                <a:spcPts val="0"/>
+              </a:spcBef>
+              <a:spcAft>
+                <a:spcPts val="0"/>
+              </a:spcAft>
+              <a:buNone/>
+            </a:pPr>
+            <a:r>
+              <a:rPr lang="en-US" altLang="zh-CN" sz="1200" b="1" dirty="0" err="1">
+                <a:latin typeface="Arial" panose="020B0604020202020204" pitchFamily="34" charset="0"/>
+                <a:cs typeface="Arial" panose="020B0604020202020204" pitchFamily="34" charset="0"/>
+              </a:rPr>
+              <a:t>LeakyRelu</a:t>
+            </a:r>
+            <a:endParaRPr lang="en-US" altLang="zh-CN" sz="1200" b="1" dirty="0">
+              <a:latin typeface="Arial" panose="020B0604020202020204" pitchFamily="34" charset="0"/>
+              <a:cs typeface="Arial" panose="020B0604020202020204" pitchFamily="34" charset="0"/>
+            </a:endParaRPr>
+          </a:p>
+        </p:txBody>
+      </p:sp>
+      <p:cxnSp>
+        <p:nvCxnSpPr>
+          <p:cNvPr id="246" name="Google Shape;395;p22">
+            <a:extLst>
+              <a:ext uri="{FF2B5EF4-FFF2-40B4-BE49-F238E27FC236}">
+                <a16:creationId xmlns:a16="http://schemas.microsoft.com/office/drawing/2014/main" id="{E525352B-3026-4861-8F47-FCF338E88448}"/>
+              </a:ext>
+            </a:extLst>
+          </p:cNvPr>
+          <p:cNvCxnSpPr>
+            <a:cxnSpLocks/>
+            <a:stCxn id="153" idx="3"/>
+            <a:endCxn id="244" idx="1"/>
+          </p:cNvCxnSpPr>
+          <p:nvPr/>
+        </p:nvCxnSpPr>
+        <p:spPr>
+          <a:xfrm>
+            <a:off x="6132336" y="4460300"/>
+            <a:ext cx="236247" cy="4455"/>
+          </a:xfrm>
+          <a:prstGeom prst="straightConnector1">
+            <a:avLst/>
+          </a:prstGeom>
+          <a:noFill/>
+          <a:ln w="12700" cap="flat" cmpd="sng">
+            <a:solidFill>
+              <a:schemeClr val="dk2"/>
+            </a:solidFill>
+            <a:prstDash val="solid"/>
+            <a:round/>
+            <a:headEnd type="none" w="med" len="med"/>
+            <a:tailEnd type="triangle" w="med" len="med"/>
+          </a:ln>
+        </p:spPr>
+      </p:cxnSp>
+      <p:cxnSp>
+        <p:nvCxnSpPr>
+          <p:cNvPr id="256" name="Google Shape;395;p22">
+            <a:extLst>
+              <a:ext uri="{FF2B5EF4-FFF2-40B4-BE49-F238E27FC236}">
+                <a16:creationId xmlns:a16="http://schemas.microsoft.com/office/drawing/2014/main" id="{C7341646-6135-410B-9B7B-A47282DAF333}"/>
+              </a:ext>
+            </a:extLst>
+          </p:cNvPr>
+          <p:cNvCxnSpPr>
+            <a:cxnSpLocks/>
+            <a:stCxn id="244" idx="3"/>
+            <a:endCxn id="177" idx="1"/>
+          </p:cNvCxnSpPr>
+          <p:nvPr/>
+        </p:nvCxnSpPr>
+        <p:spPr>
+          <a:xfrm>
+            <a:off x="7898663" y="4464755"/>
+            <a:ext cx="273622" cy="7598"/>
+          </a:xfrm>
+          <a:prstGeom prst="straightConnector1">
+            <a:avLst/>
+          </a:prstGeom>
+          <a:noFill/>
+          <a:ln w="12700" cap="flat" cmpd="sng">
+            <a:solidFill>
+              <a:schemeClr val="dk2"/>
+            </a:solidFill>
+            <a:prstDash val="solid"/>
+            <a:round/>
+            <a:headEnd type="none" w="med" len="med"/>
+            <a:tailEnd type="triangle" w="med" len="med"/>
+          </a:ln>
+        </p:spPr>
+      </p:cxnSp>
+      <p:sp>
+        <p:nvSpPr>
+          <p:cNvPr id="286" name="文本框 285">
+            <a:extLst>
+              <a:ext uri="{FF2B5EF4-FFF2-40B4-BE49-F238E27FC236}">
+                <a16:creationId xmlns:a16="http://schemas.microsoft.com/office/drawing/2014/main" id="{473EA020-D5B3-46D4-8683-102D83779A33}"/>
+              </a:ext>
+            </a:extLst>
+          </p:cNvPr>
+          <p:cNvSpPr txBox="1"/>
+          <p:nvPr/>
+        </p:nvSpPr>
+        <p:spPr>
+          <a:xfrm>
+            <a:off x="9813313" y="4965141"/>
+            <a:ext cx="1976938" cy="307777"/>
+          </a:xfrm>
+          <a:prstGeom prst="rect">
+            <a:avLst/>
+          </a:prstGeom>
+          <a:noFill/>
+        </p:spPr>
+        <p:txBody>
+          <a:bodyPr wrap="square">
+            <a:spAutoFit/>
+          </a:bodyPr>
+          <a:lstStyle/>
+          <a:p>
+            <a:pPr marL="0" lvl="0" indent="0" algn="ctr" rtl="0">
+              <a:spcBef>
+                <a:spcPts val="0"/>
+              </a:spcBef>
+              <a:spcAft>
+                <a:spcPts val="0"/>
+              </a:spcAft>
+              <a:buNone/>
+            </a:pPr>
+            <a:r>
+              <a:rPr lang="zh-CN" altLang="en-US" sz="1400" b="1" dirty="0">
+                <a:solidFill>
+                  <a:srgbClr val="666666"/>
+                </a:solidFill>
+                <a:latin typeface="微软雅黑" panose="020B0503020204020204" pitchFamily="34" charset="-122"/>
+                <a:ea typeface="微软雅黑" panose="020B0503020204020204" pitchFamily="34" charset="-122"/>
+              </a:rPr>
+              <a:t>回归头</a:t>
+            </a:r>
+            <a:endParaRPr lang="en-US" altLang="zh-CN" sz="1400" b="1" dirty="0">
+              <a:solidFill>
+                <a:srgbClr val="666666"/>
+              </a:solidFill>
+              <a:latin typeface="微软雅黑" panose="020B0503020204020204" pitchFamily="34" charset="-122"/>
+              <a:ea typeface="微软雅黑" panose="020B0503020204020204" pitchFamily="34" charset="-122"/>
+            </a:endParaRPr>
+          </a:p>
+        </p:txBody>
+      </p:sp>
+    </p:spTree>
+    <p:extLst>
+      <p:ext uri="{BB962C8B-B14F-4D97-AF65-F5344CB8AC3E}">
+        <p14:creationId xmlns:p14="http://schemas.microsoft.com/office/powerpoint/2010/main" val="2468952923"/>
+      </p:ext>
+    </p:extLst>
+  </p:cSld>
+  <p:clrMapOvr>
+    <a:masterClrMapping/>
+  </p:clrMapOvr>
+</p:sld>
+</file>
+
 <file path=ppt/theme/theme1.xml><?xml version="1.0" encoding="utf-8"?>
 <a:theme xmlns:a="http://schemas.openxmlformats.org/drawingml/2006/main" name="Office 主题​​">
   <a:themeElements>
